--- a/myCFDTutorial/Figures.pptx
+++ b/myCFDTutorial/Figures.pptx
@@ -5,7 +5,7 @@
     <p:sldMasterId id="2147483672" r:id="rId1"/>
   </p:sldMasterIdLst>
   <p:notesMasterIdLst>
-    <p:notesMasterId r:id="rId8"/>
+    <p:notesMasterId r:id="rId10"/>
   </p:notesMasterIdLst>
   <p:sldIdLst>
     <p:sldId id="256" r:id="rId2"/>
@@ -14,6 +14,8 @@
     <p:sldId id="259" r:id="rId5"/>
     <p:sldId id="258" r:id="rId6"/>
     <p:sldId id="261" r:id="rId7"/>
+    <p:sldId id="262" r:id="rId8"/>
+    <p:sldId id="263" r:id="rId9"/>
   </p:sldIdLst>
   <p:sldSz cx="7772400" cy="10058400"/>
   <p:notesSz cx="6858000" cy="9144000"/>
@@ -202,7 +204,7 @@
           <a:p>
             <a:fld id="{6017C400-FCEF-2343-AB10-B22BAE734D1D}" type="datetimeFigureOut">
               <a:rPr lang="en-US" smtClean="0"/>
-              <a:t>5/20/20</a:t>
+              <a:t>6/15/20</a:t>
             </a:fld>
             <a:endParaRPr lang="en-US"/>
           </a:p>
@@ -684,7 +686,7 @@
           <a:p>
             <a:fld id="{7B1D6CA5-2D2E-7D4F-9E85-EAF2605F5F67}" type="datetimeFigureOut">
               <a:rPr lang="en-US" smtClean="0"/>
-              <a:t>5/20/20</a:t>
+              <a:t>6/15/20</a:t>
             </a:fld>
             <a:endParaRPr lang="en-US"/>
           </a:p>
@@ -854,7 +856,7 @@
           <a:p>
             <a:fld id="{7B1D6CA5-2D2E-7D4F-9E85-EAF2605F5F67}" type="datetimeFigureOut">
               <a:rPr lang="en-US" smtClean="0"/>
-              <a:t>5/20/20</a:t>
+              <a:t>6/15/20</a:t>
             </a:fld>
             <a:endParaRPr lang="en-US"/>
           </a:p>
@@ -1034,7 +1036,7 @@
           <a:p>
             <a:fld id="{7B1D6CA5-2D2E-7D4F-9E85-EAF2605F5F67}" type="datetimeFigureOut">
               <a:rPr lang="en-US" smtClean="0"/>
-              <a:t>5/20/20</a:t>
+              <a:t>6/15/20</a:t>
             </a:fld>
             <a:endParaRPr lang="en-US"/>
           </a:p>
@@ -1204,7 +1206,7 @@
           <a:p>
             <a:fld id="{7B1D6CA5-2D2E-7D4F-9E85-EAF2605F5F67}" type="datetimeFigureOut">
               <a:rPr lang="en-US" smtClean="0"/>
-              <a:t>5/20/20</a:t>
+              <a:t>6/15/20</a:t>
             </a:fld>
             <a:endParaRPr lang="en-US"/>
           </a:p>
@@ -1448,7 +1450,7 @@
           <a:p>
             <a:fld id="{7B1D6CA5-2D2E-7D4F-9E85-EAF2605F5F67}" type="datetimeFigureOut">
               <a:rPr lang="en-US" smtClean="0"/>
-              <a:t>5/20/20</a:t>
+              <a:t>6/15/20</a:t>
             </a:fld>
             <a:endParaRPr lang="en-US"/>
           </a:p>
@@ -1680,7 +1682,7 @@
           <a:p>
             <a:fld id="{7B1D6CA5-2D2E-7D4F-9E85-EAF2605F5F67}" type="datetimeFigureOut">
               <a:rPr lang="en-US" smtClean="0"/>
-              <a:t>5/20/20</a:t>
+              <a:t>6/15/20</a:t>
             </a:fld>
             <a:endParaRPr lang="en-US"/>
           </a:p>
@@ -2047,7 +2049,7 @@
           <a:p>
             <a:fld id="{7B1D6CA5-2D2E-7D4F-9E85-EAF2605F5F67}" type="datetimeFigureOut">
               <a:rPr lang="en-US" smtClean="0"/>
-              <a:t>5/20/20</a:t>
+              <a:t>6/15/20</a:t>
             </a:fld>
             <a:endParaRPr lang="en-US"/>
           </a:p>
@@ -2165,7 +2167,7 @@
           <a:p>
             <a:fld id="{7B1D6CA5-2D2E-7D4F-9E85-EAF2605F5F67}" type="datetimeFigureOut">
               <a:rPr lang="en-US" smtClean="0"/>
-              <a:t>5/20/20</a:t>
+              <a:t>6/15/20</a:t>
             </a:fld>
             <a:endParaRPr lang="en-US"/>
           </a:p>
@@ -2260,7 +2262,7 @@
           <a:p>
             <a:fld id="{7B1D6CA5-2D2E-7D4F-9E85-EAF2605F5F67}" type="datetimeFigureOut">
               <a:rPr lang="en-US" smtClean="0"/>
-              <a:t>5/20/20</a:t>
+              <a:t>6/15/20</a:t>
             </a:fld>
             <a:endParaRPr lang="en-US"/>
           </a:p>
@@ -2537,7 +2539,7 @@
           <a:p>
             <a:fld id="{7B1D6CA5-2D2E-7D4F-9E85-EAF2605F5F67}" type="datetimeFigureOut">
               <a:rPr lang="en-US" smtClean="0"/>
-              <a:t>5/20/20</a:t>
+              <a:t>6/15/20</a:t>
             </a:fld>
             <a:endParaRPr lang="en-US"/>
           </a:p>
@@ -2794,7 +2796,7 @@
           <a:p>
             <a:fld id="{7B1D6CA5-2D2E-7D4F-9E85-EAF2605F5F67}" type="datetimeFigureOut">
               <a:rPr lang="en-US" smtClean="0"/>
-              <a:t>5/20/20</a:t>
+              <a:t>6/15/20</a:t>
             </a:fld>
             <a:endParaRPr lang="en-US"/>
           </a:p>
@@ -3005,7 +3007,7 @@
           <a:p>
             <a:fld id="{7B1D6CA5-2D2E-7D4F-9E85-EAF2605F5F67}" type="datetimeFigureOut">
               <a:rPr lang="en-US" smtClean="0"/>
-              <a:t>5/20/20</a:t>
+              <a:t>6/15/20</a:t>
             </a:fld>
             <a:endParaRPr lang="en-US"/>
           </a:p>
@@ -54581,6 +54583,2689 @@
 </p:sld>
 </file>
 
+<file path=ppt/slides/slide7.xml><?xml version="1.0" encoding="utf-8"?>
+<p:sld xmlns:a="http://schemas.openxmlformats.org/drawingml/2006/main" xmlns:r="http://schemas.openxmlformats.org/officeDocument/2006/relationships" xmlns:p="http://schemas.openxmlformats.org/presentationml/2006/main">
+  <p:cSld>
+    <p:spTree>
+      <p:nvGrpSpPr>
+        <p:cNvPr id="1" name=""/>
+        <p:cNvGrpSpPr/>
+        <p:nvPr/>
+      </p:nvGrpSpPr>
+      <p:grpSpPr>
+        <a:xfrm>
+          <a:off x="0" y="0"/>
+          <a:ext cx="0" cy="0"/>
+          <a:chOff x="0" y="0"/>
+          <a:chExt cx="0" cy="0"/>
+        </a:xfrm>
+      </p:grpSpPr>
+      <p:sp>
+        <p:nvSpPr>
+          <p:cNvPr id="3" name="Rounded Rectangle 2">
+            <a:extLst>
+              <a:ext uri="{FF2B5EF4-FFF2-40B4-BE49-F238E27FC236}">
+                <a16:creationId xmlns:a16="http://schemas.microsoft.com/office/drawing/2014/main" id="{F83A1BD4-B919-274B-A0CE-18685533264E}"/>
+              </a:ext>
+            </a:extLst>
+          </p:cNvPr>
+          <p:cNvSpPr/>
+          <p:nvPr/>
+        </p:nvSpPr>
+        <p:spPr>
+          <a:xfrm>
+            <a:off x="1510161" y="2869322"/>
+            <a:ext cx="1728352" cy="328911"/>
+          </a:xfrm>
+          <a:prstGeom prst="roundRect">
+            <a:avLst/>
+          </a:prstGeom>
+        </p:spPr>
+        <p:style>
+          <a:lnRef idx="2">
+            <a:schemeClr val="dk1">
+              <a:shade val="50000"/>
+            </a:schemeClr>
+          </a:lnRef>
+          <a:fillRef idx="1">
+            <a:schemeClr val="dk1"/>
+          </a:fillRef>
+          <a:effectRef idx="0">
+            <a:schemeClr val="dk1"/>
+          </a:effectRef>
+          <a:fontRef idx="minor">
+            <a:schemeClr val="lt1"/>
+          </a:fontRef>
+        </p:style>
+        <p:txBody>
+          <a:bodyPr rtlCol="0" anchor="ctr"/>
+          <a:lstStyle/>
+          <a:p>
+            <a:pPr algn="ctr"/>
+            <a:r>
+              <a:rPr lang="en-US" sz="1200" dirty="0"/>
+              <a:t>Finite Element Mesh</a:t>
+            </a:r>
+          </a:p>
+        </p:txBody>
+      </p:sp>
+      <p:sp>
+        <p:nvSpPr>
+          <p:cNvPr id="4" name="Down Arrow 3">
+            <a:extLst>
+              <a:ext uri="{FF2B5EF4-FFF2-40B4-BE49-F238E27FC236}">
+                <a16:creationId xmlns:a16="http://schemas.microsoft.com/office/drawing/2014/main" id="{BF7164A6-5FBA-D14D-8B2B-91F1D673BF20}"/>
+              </a:ext>
+            </a:extLst>
+          </p:cNvPr>
+          <p:cNvSpPr/>
+          <p:nvPr/>
+        </p:nvSpPr>
+        <p:spPr>
+          <a:xfrm>
+            <a:off x="2241203" y="4001763"/>
+            <a:ext cx="246888" cy="288035"/>
+          </a:xfrm>
+          <a:prstGeom prst="downArrow">
+            <a:avLst/>
+          </a:prstGeom>
+        </p:spPr>
+        <p:style>
+          <a:lnRef idx="2">
+            <a:schemeClr val="accent2">
+              <a:shade val="50000"/>
+            </a:schemeClr>
+          </a:lnRef>
+          <a:fillRef idx="1">
+            <a:schemeClr val="accent2"/>
+          </a:fillRef>
+          <a:effectRef idx="0">
+            <a:schemeClr val="accent2"/>
+          </a:effectRef>
+          <a:fontRef idx="minor">
+            <a:schemeClr val="lt1"/>
+          </a:fontRef>
+        </p:style>
+        <p:txBody>
+          <a:bodyPr rtlCol="0" anchor="ctr"/>
+          <a:lstStyle/>
+          <a:p>
+            <a:pPr algn="ctr"/>
+            <a:endParaRPr lang="en-US"/>
+          </a:p>
+        </p:txBody>
+      </p:sp>
+      <p:sp>
+        <p:nvSpPr>
+          <p:cNvPr id="5" name="Rounded Rectangle 4">
+            <a:extLst>
+              <a:ext uri="{FF2B5EF4-FFF2-40B4-BE49-F238E27FC236}">
+                <a16:creationId xmlns:a16="http://schemas.microsoft.com/office/drawing/2014/main" id="{32E36B8F-D201-064D-BF00-CD25EC1C4DC1}"/>
+              </a:ext>
+            </a:extLst>
+          </p:cNvPr>
+          <p:cNvSpPr/>
+          <p:nvPr/>
+        </p:nvSpPr>
+        <p:spPr>
+          <a:xfrm>
+            <a:off x="1521079" y="5188606"/>
+            <a:ext cx="1728352" cy="328911"/>
+          </a:xfrm>
+          <a:prstGeom prst="roundRect">
+            <a:avLst/>
+          </a:prstGeom>
+        </p:spPr>
+        <p:style>
+          <a:lnRef idx="2">
+            <a:schemeClr val="dk1">
+              <a:shade val="50000"/>
+            </a:schemeClr>
+          </a:lnRef>
+          <a:fillRef idx="1">
+            <a:schemeClr val="dk1"/>
+          </a:fillRef>
+          <a:effectRef idx="0">
+            <a:schemeClr val="dk1"/>
+          </a:effectRef>
+          <a:fontRef idx="minor">
+            <a:schemeClr val="lt1"/>
+          </a:fontRef>
+        </p:style>
+        <p:txBody>
+          <a:bodyPr rtlCol="0" anchor="ctr"/>
+          <a:lstStyle/>
+          <a:p>
+            <a:pPr algn="ctr"/>
+            <a:r>
+              <a:rPr lang="en-US" sz="1200" dirty="0"/>
+              <a:t>Finite Volume Mesh</a:t>
+            </a:r>
+          </a:p>
+        </p:txBody>
+      </p:sp>
+      <p:sp>
+        <p:nvSpPr>
+          <p:cNvPr id="7" name="Rectangle 6">
+            <a:extLst>
+              <a:ext uri="{FF2B5EF4-FFF2-40B4-BE49-F238E27FC236}">
+                <a16:creationId xmlns:a16="http://schemas.microsoft.com/office/drawing/2014/main" id="{6E09C613-1A87-9147-A897-42119F3E27AE}"/>
+              </a:ext>
+            </a:extLst>
+          </p:cNvPr>
+          <p:cNvSpPr/>
+          <p:nvPr/>
+        </p:nvSpPr>
+        <p:spPr>
+          <a:xfrm>
+            <a:off x="1902943" y="4321802"/>
+            <a:ext cx="964624" cy="424298"/>
+          </a:xfrm>
+          <a:prstGeom prst="rect">
+            <a:avLst/>
+          </a:prstGeom>
+        </p:spPr>
+        <p:style>
+          <a:lnRef idx="2">
+            <a:schemeClr val="accent3">
+              <a:shade val="50000"/>
+            </a:schemeClr>
+          </a:lnRef>
+          <a:fillRef idx="1">
+            <a:schemeClr val="accent3"/>
+          </a:fillRef>
+          <a:effectRef idx="0">
+            <a:schemeClr val="accent3"/>
+          </a:effectRef>
+          <a:fontRef idx="minor">
+            <a:schemeClr val="lt1"/>
+          </a:fontRef>
+        </p:style>
+        <p:txBody>
+          <a:bodyPr rtlCol="0" anchor="ctr"/>
+          <a:lstStyle/>
+          <a:p>
+            <a:pPr algn="ctr"/>
+            <a:r>
+              <a:rPr lang="en-US" sz="1200" dirty="0"/>
+              <a:t>Face Collection </a:t>
+            </a:r>
+          </a:p>
+        </p:txBody>
+      </p:sp>
+      <p:sp>
+        <p:nvSpPr>
+          <p:cNvPr id="8" name="Down Arrow 7">
+            <a:extLst>
+              <a:ext uri="{FF2B5EF4-FFF2-40B4-BE49-F238E27FC236}">
+                <a16:creationId xmlns:a16="http://schemas.microsoft.com/office/drawing/2014/main" id="{74C61CD0-87FA-3C44-84CE-29EA726834E8}"/>
+              </a:ext>
+            </a:extLst>
+          </p:cNvPr>
+          <p:cNvSpPr/>
+          <p:nvPr/>
+        </p:nvSpPr>
+        <p:spPr>
+          <a:xfrm>
+            <a:off x="2261811" y="4798189"/>
+            <a:ext cx="246888" cy="338328"/>
+          </a:xfrm>
+          <a:prstGeom prst="downArrow">
+            <a:avLst/>
+          </a:prstGeom>
+        </p:spPr>
+        <p:style>
+          <a:lnRef idx="2">
+            <a:schemeClr val="accent2">
+              <a:shade val="50000"/>
+            </a:schemeClr>
+          </a:lnRef>
+          <a:fillRef idx="1">
+            <a:schemeClr val="accent2"/>
+          </a:fillRef>
+          <a:effectRef idx="0">
+            <a:schemeClr val="accent2"/>
+          </a:effectRef>
+          <a:fontRef idx="minor">
+            <a:schemeClr val="lt1"/>
+          </a:fontRef>
+        </p:style>
+        <p:txBody>
+          <a:bodyPr rtlCol="0" anchor="ctr"/>
+          <a:lstStyle/>
+          <a:p>
+            <a:pPr algn="ctr"/>
+            <a:endParaRPr lang="en-US"/>
+          </a:p>
+        </p:txBody>
+      </p:sp>
+      <p:sp>
+        <p:nvSpPr>
+          <p:cNvPr id="9" name="Down Arrow 8">
+            <a:extLst>
+              <a:ext uri="{FF2B5EF4-FFF2-40B4-BE49-F238E27FC236}">
+                <a16:creationId xmlns:a16="http://schemas.microsoft.com/office/drawing/2014/main" id="{ED350C7B-414D-4F47-B267-F360702DF2CC}"/>
+              </a:ext>
+            </a:extLst>
+          </p:cNvPr>
+          <p:cNvSpPr/>
+          <p:nvPr/>
+        </p:nvSpPr>
+        <p:spPr>
+          <a:xfrm>
+            <a:off x="2261811" y="5569606"/>
+            <a:ext cx="246888" cy="336651"/>
+          </a:xfrm>
+          <a:prstGeom prst="downArrow">
+            <a:avLst/>
+          </a:prstGeom>
+        </p:spPr>
+        <p:style>
+          <a:lnRef idx="2">
+            <a:schemeClr val="accent2">
+              <a:shade val="50000"/>
+            </a:schemeClr>
+          </a:lnRef>
+          <a:fillRef idx="1">
+            <a:schemeClr val="accent2"/>
+          </a:fillRef>
+          <a:effectRef idx="0">
+            <a:schemeClr val="accent2"/>
+          </a:effectRef>
+          <a:fontRef idx="minor">
+            <a:schemeClr val="lt1"/>
+          </a:fontRef>
+        </p:style>
+        <p:txBody>
+          <a:bodyPr rtlCol="0" anchor="ctr"/>
+          <a:lstStyle/>
+          <a:p>
+            <a:pPr algn="ctr"/>
+            <a:endParaRPr lang="en-US"/>
+          </a:p>
+        </p:txBody>
+      </p:sp>
+      <p:sp>
+        <p:nvSpPr>
+          <p:cNvPr id="10" name="Rectangle 9">
+            <a:extLst>
+              <a:ext uri="{FF2B5EF4-FFF2-40B4-BE49-F238E27FC236}">
+                <a16:creationId xmlns:a16="http://schemas.microsoft.com/office/drawing/2014/main" id="{6C5AC7EB-6BD3-5344-B4CC-42A84ED70465}"/>
+              </a:ext>
+            </a:extLst>
+          </p:cNvPr>
+          <p:cNvSpPr/>
+          <p:nvPr/>
+        </p:nvSpPr>
+        <p:spPr>
+          <a:xfrm>
+            <a:off x="1892435" y="5956669"/>
+            <a:ext cx="964624" cy="353145"/>
+          </a:xfrm>
+          <a:prstGeom prst="rect">
+            <a:avLst/>
+          </a:prstGeom>
+        </p:spPr>
+        <p:style>
+          <a:lnRef idx="2">
+            <a:schemeClr val="accent3">
+              <a:shade val="50000"/>
+            </a:schemeClr>
+          </a:lnRef>
+          <a:fillRef idx="1">
+            <a:schemeClr val="accent3"/>
+          </a:fillRef>
+          <a:effectRef idx="0">
+            <a:schemeClr val="accent3"/>
+          </a:effectRef>
+          <a:fontRef idx="minor">
+            <a:schemeClr val="lt1"/>
+          </a:fontRef>
+        </p:style>
+        <p:txBody>
+          <a:bodyPr rtlCol="0" anchor="ctr"/>
+          <a:lstStyle/>
+          <a:p>
+            <a:pPr algn="ctr"/>
+            <a:r>
+              <a:rPr lang="en-US" sz="1200" dirty="0"/>
+              <a:t>Partitioning</a:t>
+            </a:r>
+          </a:p>
+        </p:txBody>
+      </p:sp>
+      <p:sp>
+        <p:nvSpPr>
+          <p:cNvPr id="11" name="Rounded Rectangle 10">
+            <a:extLst>
+              <a:ext uri="{FF2B5EF4-FFF2-40B4-BE49-F238E27FC236}">
+                <a16:creationId xmlns:a16="http://schemas.microsoft.com/office/drawing/2014/main" id="{79FD5416-C967-0E43-AF08-F1C11FC72312}"/>
+              </a:ext>
+            </a:extLst>
+          </p:cNvPr>
+          <p:cNvSpPr/>
+          <p:nvPr/>
+        </p:nvSpPr>
+        <p:spPr>
+          <a:xfrm>
+            <a:off x="1802291" y="6719332"/>
+            <a:ext cx="1165928" cy="328911"/>
+          </a:xfrm>
+          <a:prstGeom prst="roundRect">
+            <a:avLst/>
+          </a:prstGeom>
+        </p:spPr>
+        <p:style>
+          <a:lnRef idx="2">
+            <a:schemeClr val="dk1">
+              <a:shade val="50000"/>
+            </a:schemeClr>
+          </a:lnRef>
+          <a:fillRef idx="1">
+            <a:schemeClr val="dk1"/>
+          </a:fillRef>
+          <a:effectRef idx="0">
+            <a:schemeClr val="dk1"/>
+          </a:effectRef>
+          <a:fontRef idx="minor">
+            <a:schemeClr val="lt1"/>
+          </a:fontRef>
+        </p:style>
+        <p:txBody>
+          <a:bodyPr rtlCol="0" anchor="ctr"/>
+          <a:lstStyle/>
+          <a:p>
+            <a:pPr algn="ctr"/>
+            <a:r>
+              <a:rPr lang="en-US" sz="1200" dirty="0"/>
+              <a:t>GEMS Mesh</a:t>
+            </a:r>
+          </a:p>
+        </p:txBody>
+      </p:sp>
+      <p:sp>
+        <p:nvSpPr>
+          <p:cNvPr id="12" name="Down Arrow 11">
+            <a:extLst>
+              <a:ext uri="{FF2B5EF4-FFF2-40B4-BE49-F238E27FC236}">
+                <a16:creationId xmlns:a16="http://schemas.microsoft.com/office/drawing/2014/main" id="{2915C99F-980F-444F-9FC1-1B4961E87A67}"/>
+              </a:ext>
+            </a:extLst>
+          </p:cNvPr>
+          <p:cNvSpPr/>
+          <p:nvPr/>
+        </p:nvSpPr>
+        <p:spPr>
+          <a:xfrm>
+            <a:off x="2261811" y="6345409"/>
+            <a:ext cx="246888" cy="338328"/>
+          </a:xfrm>
+          <a:prstGeom prst="downArrow">
+            <a:avLst/>
+          </a:prstGeom>
+        </p:spPr>
+        <p:style>
+          <a:lnRef idx="2">
+            <a:schemeClr val="accent2">
+              <a:shade val="50000"/>
+            </a:schemeClr>
+          </a:lnRef>
+          <a:fillRef idx="1">
+            <a:schemeClr val="accent2"/>
+          </a:fillRef>
+          <a:effectRef idx="0">
+            <a:schemeClr val="accent2"/>
+          </a:effectRef>
+          <a:fontRef idx="minor">
+            <a:schemeClr val="lt1"/>
+          </a:fontRef>
+        </p:style>
+        <p:txBody>
+          <a:bodyPr rtlCol="0" anchor="ctr"/>
+          <a:lstStyle/>
+          <a:p>
+            <a:pPr algn="ctr"/>
+            <a:endParaRPr lang="en-US"/>
+          </a:p>
+        </p:txBody>
+      </p:sp>
+      <p:sp>
+        <p:nvSpPr>
+          <p:cNvPr id="13" name="Rounded Rectangle 12">
+            <a:extLst>
+              <a:ext uri="{FF2B5EF4-FFF2-40B4-BE49-F238E27FC236}">
+                <a16:creationId xmlns:a16="http://schemas.microsoft.com/office/drawing/2014/main" id="{A4D6E70E-36EA-DF4D-82BB-7E4C4B435AE5}"/>
+              </a:ext>
+            </a:extLst>
+          </p:cNvPr>
+          <p:cNvSpPr/>
+          <p:nvPr/>
+        </p:nvSpPr>
+        <p:spPr>
+          <a:xfrm>
+            <a:off x="708457" y="956490"/>
+            <a:ext cx="987620" cy="563188"/>
+          </a:xfrm>
+          <a:prstGeom prst="roundRect">
+            <a:avLst/>
+          </a:prstGeom>
+        </p:spPr>
+        <p:style>
+          <a:lnRef idx="2">
+            <a:schemeClr val="dk1">
+              <a:shade val="50000"/>
+            </a:schemeClr>
+          </a:lnRef>
+          <a:fillRef idx="1">
+            <a:schemeClr val="dk1"/>
+          </a:fillRef>
+          <a:effectRef idx="0">
+            <a:schemeClr val="dk1"/>
+          </a:effectRef>
+          <a:fontRef idx="minor">
+            <a:schemeClr val="lt1"/>
+          </a:fontRef>
+        </p:style>
+        <p:txBody>
+          <a:bodyPr rtlCol="0" anchor="ctr"/>
+          <a:lstStyle/>
+          <a:p>
+            <a:pPr algn="ctr"/>
+            <a:r>
+              <a:rPr lang="en-US" sz="1200" dirty="0"/>
+              <a:t>Geometry Entities</a:t>
+            </a:r>
+          </a:p>
+        </p:txBody>
+      </p:sp>
+      <p:sp>
+        <p:nvSpPr>
+          <p:cNvPr id="14" name="Down Arrow 13">
+            <a:extLst>
+              <a:ext uri="{FF2B5EF4-FFF2-40B4-BE49-F238E27FC236}">
+                <a16:creationId xmlns:a16="http://schemas.microsoft.com/office/drawing/2014/main" id="{91DD09CE-363B-8049-BF0D-2A205947EDD1}"/>
+              </a:ext>
+            </a:extLst>
+          </p:cNvPr>
+          <p:cNvSpPr/>
+          <p:nvPr/>
+        </p:nvSpPr>
+        <p:spPr>
+          <a:xfrm>
+            <a:off x="2250893" y="1739877"/>
+            <a:ext cx="246888" cy="288035"/>
+          </a:xfrm>
+          <a:prstGeom prst="downArrow">
+            <a:avLst/>
+          </a:prstGeom>
+        </p:spPr>
+        <p:style>
+          <a:lnRef idx="2">
+            <a:schemeClr val="accent2">
+              <a:shade val="50000"/>
+            </a:schemeClr>
+          </a:lnRef>
+          <a:fillRef idx="1">
+            <a:schemeClr val="accent2"/>
+          </a:fillRef>
+          <a:effectRef idx="0">
+            <a:schemeClr val="accent2"/>
+          </a:effectRef>
+          <a:fontRef idx="minor">
+            <a:schemeClr val="lt1"/>
+          </a:fontRef>
+        </p:style>
+        <p:txBody>
+          <a:bodyPr rtlCol="0" anchor="ctr"/>
+          <a:lstStyle/>
+          <a:p>
+            <a:pPr algn="ctr"/>
+            <a:endParaRPr lang="en-US"/>
+          </a:p>
+        </p:txBody>
+      </p:sp>
+      <p:sp>
+        <p:nvSpPr>
+          <p:cNvPr id="15" name="Rectangle 14">
+            <a:extLst>
+              <a:ext uri="{FF2B5EF4-FFF2-40B4-BE49-F238E27FC236}">
+                <a16:creationId xmlns:a16="http://schemas.microsoft.com/office/drawing/2014/main" id="{A1F6F958-744A-3545-9A2F-605C3026A2A5}"/>
+              </a:ext>
+            </a:extLst>
+          </p:cNvPr>
+          <p:cNvSpPr/>
+          <p:nvPr/>
+        </p:nvSpPr>
+        <p:spPr>
+          <a:xfrm>
+            <a:off x="1881107" y="3552319"/>
+            <a:ext cx="986460" cy="424298"/>
+          </a:xfrm>
+          <a:prstGeom prst="rect">
+            <a:avLst/>
+          </a:prstGeom>
+        </p:spPr>
+        <p:style>
+          <a:lnRef idx="2">
+            <a:schemeClr val="accent3">
+              <a:shade val="50000"/>
+            </a:schemeClr>
+          </a:lnRef>
+          <a:fillRef idx="1">
+            <a:schemeClr val="accent3"/>
+          </a:fillRef>
+          <a:effectRef idx="0">
+            <a:schemeClr val="accent3"/>
+          </a:effectRef>
+          <a:fontRef idx="minor">
+            <a:schemeClr val="lt1"/>
+          </a:fontRef>
+        </p:style>
+        <p:txBody>
+          <a:bodyPr rtlCol="0" anchor="ctr"/>
+          <a:lstStyle/>
+          <a:p>
+            <a:pPr algn="ctr"/>
+            <a:r>
+              <a:rPr lang="en-US" sz="1200" dirty="0"/>
+              <a:t>Format Conversion</a:t>
+            </a:r>
+          </a:p>
+        </p:txBody>
+      </p:sp>
+      <p:sp>
+        <p:nvSpPr>
+          <p:cNvPr id="16" name="Rounded Rectangle 15">
+            <a:extLst>
+              <a:ext uri="{FF2B5EF4-FFF2-40B4-BE49-F238E27FC236}">
+                <a16:creationId xmlns:a16="http://schemas.microsoft.com/office/drawing/2014/main" id="{60E75469-3F09-B94E-A20B-0438B711B4CE}"/>
+              </a:ext>
+            </a:extLst>
+          </p:cNvPr>
+          <p:cNvSpPr/>
+          <p:nvPr/>
+        </p:nvSpPr>
+        <p:spPr>
+          <a:xfrm>
+            <a:off x="1866299" y="956490"/>
+            <a:ext cx="987620" cy="563188"/>
+          </a:xfrm>
+          <a:prstGeom prst="roundRect">
+            <a:avLst/>
+          </a:prstGeom>
+        </p:spPr>
+        <p:style>
+          <a:lnRef idx="2">
+            <a:schemeClr val="dk1">
+              <a:shade val="50000"/>
+            </a:schemeClr>
+          </a:lnRef>
+          <a:fillRef idx="1">
+            <a:schemeClr val="dk1"/>
+          </a:fillRef>
+          <a:effectRef idx="0">
+            <a:schemeClr val="dk1"/>
+          </a:effectRef>
+          <a:fontRef idx="minor">
+            <a:schemeClr val="lt1"/>
+          </a:fontRef>
+        </p:style>
+        <p:txBody>
+          <a:bodyPr rtlCol="0" anchor="ctr"/>
+          <a:lstStyle/>
+          <a:p>
+            <a:pPr algn="ctr"/>
+            <a:r>
+              <a:rPr lang="en-US" sz="1200" dirty="0"/>
+              <a:t>Physical Entities</a:t>
+            </a:r>
+          </a:p>
+        </p:txBody>
+      </p:sp>
+      <p:sp>
+        <p:nvSpPr>
+          <p:cNvPr id="17" name="Rounded Rectangle 16">
+            <a:extLst>
+              <a:ext uri="{FF2B5EF4-FFF2-40B4-BE49-F238E27FC236}">
+                <a16:creationId xmlns:a16="http://schemas.microsoft.com/office/drawing/2014/main" id="{AA0B400B-0699-EF41-A90C-90ED813ED749}"/>
+              </a:ext>
+            </a:extLst>
+          </p:cNvPr>
+          <p:cNvSpPr/>
+          <p:nvPr/>
+        </p:nvSpPr>
+        <p:spPr>
+          <a:xfrm>
+            <a:off x="3024141" y="956490"/>
+            <a:ext cx="1080322" cy="563188"/>
+          </a:xfrm>
+          <a:prstGeom prst="roundRect">
+            <a:avLst/>
+          </a:prstGeom>
+        </p:spPr>
+        <p:style>
+          <a:lnRef idx="2">
+            <a:schemeClr val="dk1">
+              <a:shade val="50000"/>
+            </a:schemeClr>
+          </a:lnRef>
+          <a:fillRef idx="1">
+            <a:schemeClr val="dk1"/>
+          </a:fillRef>
+          <a:effectRef idx="0">
+            <a:schemeClr val="dk1"/>
+          </a:effectRef>
+          <a:fontRef idx="minor">
+            <a:schemeClr val="lt1"/>
+          </a:fontRef>
+        </p:style>
+        <p:txBody>
+          <a:bodyPr rtlCol="0" anchor="ctr"/>
+          <a:lstStyle/>
+          <a:p>
+            <a:pPr algn="ctr"/>
+            <a:r>
+              <a:rPr lang="en-US" sz="1200" dirty="0"/>
+              <a:t>Meshing Parameters</a:t>
+            </a:r>
+          </a:p>
+        </p:txBody>
+      </p:sp>
+      <p:sp>
+        <p:nvSpPr>
+          <p:cNvPr id="18" name="Right Brace 17">
+            <a:extLst>
+              <a:ext uri="{FF2B5EF4-FFF2-40B4-BE49-F238E27FC236}">
+                <a16:creationId xmlns:a16="http://schemas.microsoft.com/office/drawing/2014/main" id="{BA75633A-0C78-2B45-8C9F-4E14BE3EC54D}"/>
+              </a:ext>
+            </a:extLst>
+          </p:cNvPr>
+          <p:cNvSpPr/>
+          <p:nvPr/>
+        </p:nvSpPr>
+        <p:spPr>
+          <a:xfrm rot="5400000">
+            <a:off x="2265649" y="457534"/>
+            <a:ext cx="188920" cy="2322576"/>
+          </a:xfrm>
+          <a:prstGeom prst="rightBrace">
+            <a:avLst>
+              <a:gd name="adj1" fmla="val 44270"/>
+              <a:gd name="adj2" fmla="val 49606"/>
+            </a:avLst>
+          </a:prstGeom>
+        </p:spPr>
+        <p:style>
+          <a:lnRef idx="2">
+            <a:schemeClr val="dk1"/>
+          </a:lnRef>
+          <a:fillRef idx="0">
+            <a:schemeClr val="dk1"/>
+          </a:fillRef>
+          <a:effectRef idx="1">
+            <a:schemeClr val="dk1"/>
+          </a:effectRef>
+          <a:fontRef idx="minor">
+            <a:schemeClr val="tx1"/>
+          </a:fontRef>
+        </p:style>
+        <p:txBody>
+          <a:bodyPr rtlCol="0" anchor="ctr"/>
+          <a:lstStyle/>
+          <a:p>
+            <a:pPr algn="ctr"/>
+            <a:endParaRPr lang="en-US"/>
+          </a:p>
+        </p:txBody>
+      </p:sp>
+      <p:sp>
+        <p:nvSpPr>
+          <p:cNvPr id="20" name="Rectangle 19">
+            <a:extLst>
+              <a:ext uri="{FF2B5EF4-FFF2-40B4-BE49-F238E27FC236}">
+                <a16:creationId xmlns:a16="http://schemas.microsoft.com/office/drawing/2014/main" id="{05CB4A95-A9AB-1643-9681-B88F92ABDF5D}"/>
+              </a:ext>
+            </a:extLst>
+          </p:cNvPr>
+          <p:cNvSpPr/>
+          <p:nvPr/>
+        </p:nvSpPr>
+        <p:spPr>
+          <a:xfrm>
+            <a:off x="1881107" y="2056398"/>
+            <a:ext cx="986460" cy="469808"/>
+          </a:xfrm>
+          <a:prstGeom prst="rect">
+            <a:avLst/>
+          </a:prstGeom>
+        </p:spPr>
+        <p:style>
+          <a:lnRef idx="2">
+            <a:schemeClr val="accent3">
+              <a:shade val="50000"/>
+            </a:schemeClr>
+          </a:lnRef>
+          <a:fillRef idx="1">
+            <a:schemeClr val="accent3"/>
+          </a:fillRef>
+          <a:effectRef idx="0">
+            <a:schemeClr val="accent3"/>
+          </a:effectRef>
+          <a:fontRef idx="minor">
+            <a:schemeClr val="lt1"/>
+          </a:fontRef>
+        </p:style>
+        <p:txBody>
+          <a:bodyPr rtlCol="0" anchor="ctr"/>
+          <a:lstStyle/>
+          <a:p>
+            <a:pPr algn="ctr"/>
+            <a:r>
+              <a:rPr lang="en-US" sz="1200" dirty="0"/>
+              <a:t>Meshing Algorithm</a:t>
+            </a:r>
+          </a:p>
+        </p:txBody>
+      </p:sp>
+      <p:sp>
+        <p:nvSpPr>
+          <p:cNvPr id="21" name="Down Arrow 20">
+            <a:extLst>
+              <a:ext uri="{FF2B5EF4-FFF2-40B4-BE49-F238E27FC236}">
+                <a16:creationId xmlns:a16="http://schemas.microsoft.com/office/drawing/2014/main" id="{387F2BA2-64AA-1D4D-9CBD-FE46FEF3FFF4}"/>
+              </a:ext>
+            </a:extLst>
+          </p:cNvPr>
+          <p:cNvSpPr/>
+          <p:nvPr/>
+        </p:nvSpPr>
+        <p:spPr>
+          <a:xfrm>
+            <a:off x="2250893" y="2554692"/>
+            <a:ext cx="246888" cy="288035"/>
+          </a:xfrm>
+          <a:prstGeom prst="downArrow">
+            <a:avLst/>
+          </a:prstGeom>
+        </p:spPr>
+        <p:style>
+          <a:lnRef idx="2">
+            <a:schemeClr val="accent2">
+              <a:shade val="50000"/>
+            </a:schemeClr>
+          </a:lnRef>
+          <a:fillRef idx="1">
+            <a:schemeClr val="accent2"/>
+          </a:fillRef>
+          <a:effectRef idx="0">
+            <a:schemeClr val="accent2"/>
+          </a:effectRef>
+          <a:fontRef idx="minor">
+            <a:schemeClr val="lt1"/>
+          </a:fontRef>
+        </p:style>
+        <p:txBody>
+          <a:bodyPr rtlCol="0" anchor="ctr"/>
+          <a:lstStyle/>
+          <a:p>
+            <a:pPr algn="ctr"/>
+            <a:endParaRPr lang="en-US"/>
+          </a:p>
+        </p:txBody>
+      </p:sp>
+      <p:sp>
+        <p:nvSpPr>
+          <p:cNvPr id="22" name="Down Arrow 21">
+            <a:extLst>
+              <a:ext uri="{FF2B5EF4-FFF2-40B4-BE49-F238E27FC236}">
+                <a16:creationId xmlns:a16="http://schemas.microsoft.com/office/drawing/2014/main" id="{1026D090-D682-814D-B49B-F9E3D879D38E}"/>
+              </a:ext>
+            </a:extLst>
+          </p:cNvPr>
+          <p:cNvSpPr/>
+          <p:nvPr/>
+        </p:nvSpPr>
+        <p:spPr>
+          <a:xfrm>
+            <a:off x="2236665" y="3219569"/>
+            <a:ext cx="246888" cy="288035"/>
+          </a:xfrm>
+          <a:prstGeom prst="downArrow">
+            <a:avLst/>
+          </a:prstGeom>
+        </p:spPr>
+        <p:style>
+          <a:lnRef idx="2">
+            <a:schemeClr val="accent2">
+              <a:shade val="50000"/>
+            </a:schemeClr>
+          </a:lnRef>
+          <a:fillRef idx="1">
+            <a:schemeClr val="accent2"/>
+          </a:fillRef>
+          <a:effectRef idx="0">
+            <a:schemeClr val="accent2"/>
+          </a:effectRef>
+          <a:fontRef idx="minor">
+            <a:schemeClr val="lt1"/>
+          </a:fontRef>
+        </p:style>
+        <p:txBody>
+          <a:bodyPr rtlCol="0" anchor="ctr"/>
+          <a:lstStyle/>
+          <a:p>
+            <a:pPr algn="ctr"/>
+            <a:endParaRPr lang="en-US"/>
+          </a:p>
+        </p:txBody>
+      </p:sp>
+      <p:sp>
+        <p:nvSpPr>
+          <p:cNvPr id="23" name="Down Arrow 22">
+            <a:extLst>
+              <a:ext uri="{FF2B5EF4-FFF2-40B4-BE49-F238E27FC236}">
+                <a16:creationId xmlns:a16="http://schemas.microsoft.com/office/drawing/2014/main" id="{C0EEFE0F-29FE-464E-A6D2-E6CDC6FE6110}"/>
+              </a:ext>
+            </a:extLst>
+          </p:cNvPr>
+          <p:cNvSpPr/>
+          <p:nvPr/>
+        </p:nvSpPr>
+        <p:spPr>
+          <a:xfrm rot="16200000">
+            <a:off x="3102718" y="2028291"/>
+            <a:ext cx="217980" cy="522457"/>
+          </a:xfrm>
+          <a:prstGeom prst="downArrow">
+            <a:avLst/>
+          </a:prstGeom>
+        </p:spPr>
+        <p:style>
+          <a:lnRef idx="2">
+            <a:schemeClr val="accent6">
+              <a:shade val="50000"/>
+            </a:schemeClr>
+          </a:lnRef>
+          <a:fillRef idx="1">
+            <a:schemeClr val="accent6"/>
+          </a:fillRef>
+          <a:effectRef idx="0">
+            <a:schemeClr val="accent6"/>
+          </a:effectRef>
+          <a:fontRef idx="minor">
+            <a:schemeClr val="lt1"/>
+          </a:fontRef>
+        </p:style>
+        <p:txBody>
+          <a:bodyPr rtlCol="0" anchor="ctr"/>
+          <a:lstStyle/>
+          <a:p>
+            <a:pPr algn="ctr"/>
+            <a:endParaRPr lang="en-US"/>
+          </a:p>
+        </p:txBody>
+      </p:sp>
+      <p:sp>
+        <p:nvSpPr>
+          <p:cNvPr id="24" name="TextBox 23">
+            <a:extLst>
+              <a:ext uri="{FF2B5EF4-FFF2-40B4-BE49-F238E27FC236}">
+                <a16:creationId xmlns:a16="http://schemas.microsoft.com/office/drawing/2014/main" id="{293753C3-1D76-3B46-A5EA-8110D5F591A6}"/>
+              </a:ext>
+            </a:extLst>
+          </p:cNvPr>
+          <p:cNvSpPr txBox="1"/>
+          <p:nvPr/>
+        </p:nvSpPr>
+        <p:spPr>
+          <a:xfrm>
+            <a:off x="3386259" y="2062224"/>
+            <a:ext cx="1633002" cy="461665"/>
+          </a:xfrm>
+          <a:prstGeom prst="rect">
+            <a:avLst/>
+          </a:prstGeom>
+          <a:noFill/>
+        </p:spPr>
+        <p:txBody>
+          <a:bodyPr wrap="square" rtlCol="0">
+            <a:spAutoFit/>
+          </a:bodyPr>
+          <a:lstStyle/>
+          <a:p>
+            <a:pPr algn="ctr"/>
+            <a:r>
+              <a:rPr lang="en-US" sz="1200" dirty="0">
+                <a:solidFill>
+                  <a:srgbClr val="FF0000"/>
+                </a:solidFill>
+              </a:rPr>
+              <a:t> ready-for-use meshing software</a:t>
+            </a:r>
+          </a:p>
+        </p:txBody>
+      </p:sp>
+      <p:sp>
+        <p:nvSpPr>
+          <p:cNvPr id="25" name="Down Arrow 24">
+            <a:extLst>
+              <a:ext uri="{FF2B5EF4-FFF2-40B4-BE49-F238E27FC236}">
+                <a16:creationId xmlns:a16="http://schemas.microsoft.com/office/drawing/2014/main" id="{4FF689D0-2D0B-7244-A564-289012853D82}"/>
+              </a:ext>
+            </a:extLst>
+          </p:cNvPr>
+          <p:cNvSpPr/>
+          <p:nvPr/>
+        </p:nvSpPr>
+        <p:spPr>
+          <a:xfrm rot="16200000">
+            <a:off x="3127393" y="3483708"/>
+            <a:ext cx="236974" cy="551035"/>
+          </a:xfrm>
+          <a:prstGeom prst="downArrow">
+            <a:avLst/>
+          </a:prstGeom>
+        </p:spPr>
+        <p:style>
+          <a:lnRef idx="2">
+            <a:schemeClr val="accent6">
+              <a:shade val="50000"/>
+            </a:schemeClr>
+          </a:lnRef>
+          <a:fillRef idx="1">
+            <a:schemeClr val="accent6"/>
+          </a:fillRef>
+          <a:effectRef idx="0">
+            <a:schemeClr val="accent6"/>
+          </a:effectRef>
+          <a:fontRef idx="minor">
+            <a:schemeClr val="lt1"/>
+          </a:fontRef>
+        </p:style>
+        <p:txBody>
+          <a:bodyPr rtlCol="0" anchor="ctr"/>
+          <a:lstStyle/>
+          <a:p>
+            <a:pPr algn="ctr"/>
+            <a:endParaRPr lang="en-US"/>
+          </a:p>
+        </p:txBody>
+      </p:sp>
+      <p:sp>
+        <p:nvSpPr>
+          <p:cNvPr id="26" name="TextBox 25">
+            <a:extLst>
+              <a:ext uri="{FF2B5EF4-FFF2-40B4-BE49-F238E27FC236}">
+                <a16:creationId xmlns:a16="http://schemas.microsoft.com/office/drawing/2014/main" id="{B48F4287-D760-064A-A3FB-223B611589EE}"/>
+              </a:ext>
+            </a:extLst>
+          </p:cNvPr>
+          <p:cNvSpPr txBox="1"/>
+          <p:nvPr/>
+        </p:nvSpPr>
+        <p:spPr>
+          <a:xfrm>
+            <a:off x="3564302" y="3515359"/>
+            <a:ext cx="1716068" cy="461665"/>
+          </a:xfrm>
+          <a:prstGeom prst="rect">
+            <a:avLst/>
+          </a:prstGeom>
+          <a:noFill/>
+        </p:spPr>
+        <p:txBody>
+          <a:bodyPr wrap="square" rtlCol="0">
+            <a:spAutoFit/>
+          </a:bodyPr>
+          <a:lstStyle/>
+          <a:p>
+            <a:pPr algn="ctr"/>
+            <a:r>
+              <a:rPr lang="en-US" sz="1200" dirty="0">
+                <a:solidFill>
+                  <a:srgbClr val="FF0000"/>
+                </a:solidFill>
+              </a:rPr>
+              <a:t>Read in with format of meshing software</a:t>
+            </a:r>
+          </a:p>
+        </p:txBody>
+      </p:sp>
+      <p:sp>
+        <p:nvSpPr>
+          <p:cNvPr id="27" name="Down Arrow 26">
+            <a:extLst>
+              <a:ext uri="{FF2B5EF4-FFF2-40B4-BE49-F238E27FC236}">
+                <a16:creationId xmlns:a16="http://schemas.microsoft.com/office/drawing/2014/main" id="{FD3B646F-F3D9-C147-A038-C1BB6EB89581}"/>
+              </a:ext>
+            </a:extLst>
+          </p:cNvPr>
+          <p:cNvSpPr/>
+          <p:nvPr/>
+        </p:nvSpPr>
+        <p:spPr>
+          <a:xfrm rot="16200000">
+            <a:off x="3127039" y="4253547"/>
+            <a:ext cx="237684" cy="551037"/>
+          </a:xfrm>
+          <a:prstGeom prst="downArrow">
+            <a:avLst/>
+          </a:prstGeom>
+        </p:spPr>
+        <p:style>
+          <a:lnRef idx="2">
+            <a:schemeClr val="accent6">
+              <a:shade val="50000"/>
+            </a:schemeClr>
+          </a:lnRef>
+          <a:fillRef idx="1">
+            <a:schemeClr val="accent6"/>
+          </a:fillRef>
+          <a:effectRef idx="0">
+            <a:schemeClr val="accent6"/>
+          </a:effectRef>
+          <a:fontRef idx="minor">
+            <a:schemeClr val="lt1"/>
+          </a:fontRef>
+        </p:style>
+        <p:txBody>
+          <a:bodyPr rtlCol="0" anchor="ctr"/>
+          <a:lstStyle/>
+          <a:p>
+            <a:pPr algn="ctr"/>
+            <a:endParaRPr lang="en-US"/>
+          </a:p>
+        </p:txBody>
+      </p:sp>
+      <p:sp>
+        <p:nvSpPr>
+          <p:cNvPr id="28" name="TextBox 27">
+            <a:extLst>
+              <a:ext uri="{FF2B5EF4-FFF2-40B4-BE49-F238E27FC236}">
+                <a16:creationId xmlns:a16="http://schemas.microsoft.com/office/drawing/2014/main" id="{520F1791-DD99-2843-875D-22AC2535728C}"/>
+              </a:ext>
+            </a:extLst>
+          </p:cNvPr>
+          <p:cNvSpPr txBox="1"/>
+          <p:nvPr/>
+        </p:nvSpPr>
+        <p:spPr>
+          <a:xfrm>
+            <a:off x="3456900" y="4320218"/>
+            <a:ext cx="1930871" cy="461665"/>
+          </a:xfrm>
+          <a:prstGeom prst="rect">
+            <a:avLst/>
+          </a:prstGeom>
+          <a:noFill/>
+        </p:spPr>
+        <p:txBody>
+          <a:bodyPr wrap="square" rtlCol="0">
+            <a:spAutoFit/>
+          </a:bodyPr>
+          <a:lstStyle/>
+          <a:p>
+            <a:pPr algn="ctr"/>
+            <a:r>
+              <a:rPr lang="en-US" sz="1200" dirty="0">
+                <a:solidFill>
+                  <a:srgbClr val="FF0000"/>
+                </a:solidFill>
+              </a:rPr>
+              <a:t>Create face information from FE mesh</a:t>
+            </a:r>
+          </a:p>
+        </p:txBody>
+      </p:sp>
+      <p:sp>
+        <p:nvSpPr>
+          <p:cNvPr id="29" name="Down Arrow 28">
+            <a:extLst>
+              <a:ext uri="{FF2B5EF4-FFF2-40B4-BE49-F238E27FC236}">
+                <a16:creationId xmlns:a16="http://schemas.microsoft.com/office/drawing/2014/main" id="{1C993CF8-DC73-6640-A635-D81CECC6C74A}"/>
+              </a:ext>
+            </a:extLst>
+          </p:cNvPr>
+          <p:cNvSpPr/>
+          <p:nvPr/>
+        </p:nvSpPr>
+        <p:spPr>
+          <a:xfrm rot="16200000">
+            <a:off x="3078573" y="5857723"/>
+            <a:ext cx="237684" cy="551037"/>
+          </a:xfrm>
+          <a:prstGeom prst="downArrow">
+            <a:avLst/>
+          </a:prstGeom>
+        </p:spPr>
+        <p:style>
+          <a:lnRef idx="2">
+            <a:schemeClr val="accent6">
+              <a:shade val="50000"/>
+            </a:schemeClr>
+          </a:lnRef>
+          <a:fillRef idx="1">
+            <a:schemeClr val="accent6"/>
+          </a:fillRef>
+          <a:effectRef idx="0">
+            <a:schemeClr val="accent6"/>
+          </a:effectRef>
+          <a:fontRef idx="minor">
+            <a:schemeClr val="lt1"/>
+          </a:fontRef>
+        </p:style>
+        <p:txBody>
+          <a:bodyPr rtlCol="0" anchor="ctr"/>
+          <a:lstStyle/>
+          <a:p>
+            <a:pPr algn="ctr"/>
+            <a:endParaRPr lang="en-US"/>
+          </a:p>
+        </p:txBody>
+      </p:sp>
+      <p:sp>
+        <p:nvSpPr>
+          <p:cNvPr id="30" name="TextBox 29">
+            <a:extLst>
+              <a:ext uri="{FF2B5EF4-FFF2-40B4-BE49-F238E27FC236}">
+                <a16:creationId xmlns:a16="http://schemas.microsoft.com/office/drawing/2014/main" id="{A34E085A-451D-E049-A3E7-82CDDB559602}"/>
+              </a:ext>
+            </a:extLst>
+          </p:cNvPr>
+          <p:cNvSpPr txBox="1"/>
+          <p:nvPr/>
+        </p:nvSpPr>
+        <p:spPr>
+          <a:xfrm>
+            <a:off x="3456899" y="5898732"/>
+            <a:ext cx="1930871" cy="461665"/>
+          </a:xfrm>
+          <a:prstGeom prst="rect">
+            <a:avLst/>
+          </a:prstGeom>
+          <a:noFill/>
+        </p:spPr>
+        <p:txBody>
+          <a:bodyPr wrap="square" rtlCol="0">
+            <a:spAutoFit/>
+          </a:bodyPr>
+          <a:lstStyle/>
+          <a:p>
+            <a:pPr algn="ctr"/>
+            <a:r>
+              <a:rPr lang="en-US" sz="1200" dirty="0">
+                <a:solidFill>
+                  <a:srgbClr val="FF0000"/>
+                </a:solidFill>
+              </a:rPr>
+              <a:t>Domain decomposition and periodic BC</a:t>
+            </a:r>
+          </a:p>
+        </p:txBody>
+      </p:sp>
+      <p:sp>
+        <p:nvSpPr>
+          <p:cNvPr id="31" name="Right Brace 30">
+            <a:extLst>
+              <a:ext uri="{FF2B5EF4-FFF2-40B4-BE49-F238E27FC236}">
+                <a16:creationId xmlns:a16="http://schemas.microsoft.com/office/drawing/2014/main" id="{00B5E78E-1F5D-CB41-8249-0272B70B941B}"/>
+              </a:ext>
+            </a:extLst>
+          </p:cNvPr>
+          <p:cNvSpPr/>
+          <p:nvPr/>
+        </p:nvSpPr>
+        <p:spPr>
+          <a:xfrm>
+            <a:off x="5323274" y="3874474"/>
+            <a:ext cx="188920" cy="2322576"/>
+          </a:xfrm>
+          <a:prstGeom prst="rightBrace">
+            <a:avLst>
+              <a:gd name="adj1" fmla="val 44270"/>
+              <a:gd name="adj2" fmla="val 49606"/>
+            </a:avLst>
+          </a:prstGeom>
+        </p:spPr>
+        <p:style>
+          <a:lnRef idx="2">
+            <a:schemeClr val="dk1"/>
+          </a:lnRef>
+          <a:fillRef idx="0">
+            <a:schemeClr val="dk1"/>
+          </a:fillRef>
+          <a:effectRef idx="1">
+            <a:schemeClr val="dk1"/>
+          </a:effectRef>
+          <a:fontRef idx="minor">
+            <a:schemeClr val="tx1"/>
+          </a:fontRef>
+        </p:style>
+        <p:txBody>
+          <a:bodyPr rtlCol="0" anchor="ctr"/>
+          <a:lstStyle/>
+          <a:p>
+            <a:pPr algn="ctr"/>
+            <a:endParaRPr lang="en-US"/>
+          </a:p>
+        </p:txBody>
+      </p:sp>
+      <p:sp>
+        <p:nvSpPr>
+          <p:cNvPr id="32" name="Rectangle 31">
+            <a:extLst>
+              <a:ext uri="{FF2B5EF4-FFF2-40B4-BE49-F238E27FC236}">
+                <a16:creationId xmlns:a16="http://schemas.microsoft.com/office/drawing/2014/main" id="{A1DA144A-BB9D-4E4B-9561-2996BF45CD8E}"/>
+              </a:ext>
+            </a:extLst>
+          </p:cNvPr>
+          <p:cNvSpPr/>
+          <p:nvPr/>
+        </p:nvSpPr>
+        <p:spPr>
+          <a:xfrm>
+            <a:off x="5610715" y="4870296"/>
+            <a:ext cx="1063410" cy="318310"/>
+          </a:xfrm>
+          <a:prstGeom prst="rect">
+            <a:avLst/>
+          </a:prstGeom>
+        </p:spPr>
+        <p:style>
+          <a:lnRef idx="2">
+            <a:schemeClr val="accent4">
+              <a:shade val="50000"/>
+            </a:schemeClr>
+          </a:lnRef>
+          <a:fillRef idx="1">
+            <a:schemeClr val="accent4"/>
+          </a:fillRef>
+          <a:effectRef idx="0">
+            <a:schemeClr val="accent4"/>
+          </a:effectRef>
+          <a:fontRef idx="minor">
+            <a:schemeClr val="lt1"/>
+          </a:fontRef>
+        </p:style>
+        <p:txBody>
+          <a:bodyPr rtlCol="0" anchor="ctr"/>
+          <a:lstStyle/>
+          <a:p>
+            <a:pPr algn="ctr"/>
+            <a:r>
+              <a:rPr lang="en-US" sz="1200" dirty="0">
+                <a:latin typeface="Monaco" pitchFamily="2" charset="77"/>
+              </a:rPr>
+              <a:t>pgrid.f90</a:t>
+            </a:r>
+          </a:p>
+        </p:txBody>
+      </p:sp>
+      <p:sp>
+        <p:nvSpPr>
+          <p:cNvPr id="33" name="Rectangle 32">
+            <a:extLst>
+              <a:ext uri="{FF2B5EF4-FFF2-40B4-BE49-F238E27FC236}">
+                <a16:creationId xmlns:a16="http://schemas.microsoft.com/office/drawing/2014/main" id="{F88EB283-5E03-4D41-9AEC-0A14EF212624}"/>
+              </a:ext>
+            </a:extLst>
+          </p:cNvPr>
+          <p:cNvSpPr/>
+          <p:nvPr/>
+        </p:nvSpPr>
+        <p:spPr>
+          <a:xfrm>
+            <a:off x="5690228" y="2077433"/>
+            <a:ext cx="715540" cy="318310"/>
+          </a:xfrm>
+          <a:prstGeom prst="rect">
+            <a:avLst/>
+          </a:prstGeom>
+        </p:spPr>
+        <p:style>
+          <a:lnRef idx="2">
+            <a:schemeClr val="accent4">
+              <a:shade val="50000"/>
+            </a:schemeClr>
+          </a:lnRef>
+          <a:fillRef idx="1">
+            <a:schemeClr val="accent4"/>
+          </a:fillRef>
+          <a:effectRef idx="0">
+            <a:schemeClr val="accent4"/>
+          </a:effectRef>
+          <a:fontRef idx="minor">
+            <a:schemeClr val="lt1"/>
+          </a:fontRef>
+        </p:style>
+        <p:txBody>
+          <a:bodyPr rtlCol="0" anchor="ctr"/>
+          <a:lstStyle/>
+          <a:p>
+            <a:pPr algn="ctr"/>
+            <a:r>
+              <a:rPr lang="en-US" sz="1200" dirty="0">
+                <a:latin typeface="Monaco" pitchFamily="2" charset="77"/>
+              </a:rPr>
+              <a:t>Gmsh</a:t>
+            </a:r>
+          </a:p>
+        </p:txBody>
+      </p:sp>
+      <p:sp>
+        <p:nvSpPr>
+          <p:cNvPr id="34" name="Rectangle 33">
+            <a:extLst>
+              <a:ext uri="{FF2B5EF4-FFF2-40B4-BE49-F238E27FC236}">
+                <a16:creationId xmlns:a16="http://schemas.microsoft.com/office/drawing/2014/main" id="{030FFA42-967F-8149-B3ED-D95E4C5C816E}"/>
+              </a:ext>
+            </a:extLst>
+          </p:cNvPr>
+          <p:cNvSpPr/>
+          <p:nvPr/>
+        </p:nvSpPr>
+        <p:spPr>
+          <a:xfrm>
+            <a:off x="5610715" y="2462277"/>
+            <a:ext cx="874566" cy="318310"/>
+          </a:xfrm>
+          <a:prstGeom prst="rect">
+            <a:avLst/>
+          </a:prstGeom>
+        </p:spPr>
+        <p:style>
+          <a:lnRef idx="2">
+            <a:schemeClr val="accent4">
+              <a:shade val="50000"/>
+            </a:schemeClr>
+          </a:lnRef>
+          <a:fillRef idx="1">
+            <a:schemeClr val="accent4"/>
+          </a:fillRef>
+          <a:effectRef idx="0">
+            <a:schemeClr val="accent4"/>
+          </a:effectRef>
+          <a:fontRef idx="minor">
+            <a:schemeClr val="lt1"/>
+          </a:fontRef>
+        </p:style>
+        <p:txBody>
+          <a:bodyPr rtlCol="0" anchor="ctr"/>
+          <a:lstStyle/>
+          <a:p>
+            <a:pPr algn="ctr"/>
+            <a:r>
+              <a:rPr lang="en-US" sz="1200" dirty="0">
+                <a:latin typeface="Monaco" pitchFamily="2" charset="77"/>
+              </a:rPr>
+              <a:t>FLUENT</a:t>
+            </a:r>
+          </a:p>
+        </p:txBody>
+      </p:sp>
+      <p:sp>
+        <p:nvSpPr>
+          <p:cNvPr id="36" name="TextBox 35">
+            <a:extLst>
+              <a:ext uri="{FF2B5EF4-FFF2-40B4-BE49-F238E27FC236}">
+                <a16:creationId xmlns:a16="http://schemas.microsoft.com/office/drawing/2014/main" id="{CAC3AC4A-E25C-B641-8AEF-757A5FC62D68}"/>
+              </a:ext>
+            </a:extLst>
+          </p:cNvPr>
+          <p:cNvSpPr txBox="1"/>
+          <p:nvPr/>
+        </p:nvSpPr>
+        <p:spPr>
+          <a:xfrm>
+            <a:off x="5740265" y="1779399"/>
+            <a:ext cx="615465" cy="276999"/>
+          </a:xfrm>
+          <a:prstGeom prst="rect">
+            <a:avLst/>
+          </a:prstGeom>
+          <a:noFill/>
+        </p:spPr>
+        <p:txBody>
+          <a:bodyPr wrap="square" rtlCol="0">
+            <a:spAutoFit/>
+          </a:bodyPr>
+          <a:lstStyle/>
+          <a:p>
+            <a:pPr algn="ctr"/>
+            <a:r>
+              <a:rPr lang="en-US" sz="1200" dirty="0">
+                <a:solidFill>
+                  <a:srgbClr val="FF0000"/>
+                </a:solidFill>
+              </a:rPr>
+              <a:t>E.g.</a:t>
+            </a:r>
+          </a:p>
+        </p:txBody>
+      </p:sp>
+      <p:cxnSp>
+        <p:nvCxnSpPr>
+          <p:cNvPr id="38" name="Straight Arrow Connector 37">
+            <a:extLst>
+              <a:ext uri="{FF2B5EF4-FFF2-40B4-BE49-F238E27FC236}">
+                <a16:creationId xmlns:a16="http://schemas.microsoft.com/office/drawing/2014/main" id="{39A450E7-C3BF-3F49-A98B-E944E2954EE9}"/>
+              </a:ext>
+            </a:extLst>
+          </p:cNvPr>
+          <p:cNvCxnSpPr>
+            <a:cxnSpLocks/>
+          </p:cNvCxnSpPr>
+          <p:nvPr/>
+        </p:nvCxnSpPr>
+        <p:spPr>
+          <a:xfrm>
+            <a:off x="4840357" y="2289519"/>
+            <a:ext cx="697596" cy="0"/>
+          </a:xfrm>
+          <a:prstGeom prst="straightConnector1">
+            <a:avLst/>
+          </a:prstGeom>
+          <a:ln>
+            <a:tailEnd type="triangle"/>
+          </a:ln>
+        </p:spPr>
+        <p:style>
+          <a:lnRef idx="1">
+            <a:schemeClr val="dk1"/>
+          </a:lnRef>
+          <a:fillRef idx="0">
+            <a:schemeClr val="dk1"/>
+          </a:fillRef>
+          <a:effectRef idx="0">
+            <a:schemeClr val="dk1"/>
+          </a:effectRef>
+          <a:fontRef idx="minor">
+            <a:schemeClr val="tx1"/>
+          </a:fontRef>
+        </p:style>
+      </p:cxnSp>
+      <p:sp>
+        <p:nvSpPr>
+          <p:cNvPr id="39" name="Down Arrow 38">
+            <a:extLst>
+              <a:ext uri="{FF2B5EF4-FFF2-40B4-BE49-F238E27FC236}">
+                <a16:creationId xmlns:a16="http://schemas.microsoft.com/office/drawing/2014/main" id="{5D134EF3-A69C-BB46-8922-59C8D7DA123F}"/>
+              </a:ext>
+            </a:extLst>
+          </p:cNvPr>
+          <p:cNvSpPr/>
+          <p:nvPr/>
+        </p:nvSpPr>
+        <p:spPr>
+          <a:xfrm>
+            <a:off x="2968219" y="7272780"/>
+            <a:ext cx="246888" cy="338328"/>
+          </a:xfrm>
+          <a:prstGeom prst="downArrow">
+            <a:avLst/>
+          </a:prstGeom>
+        </p:spPr>
+        <p:style>
+          <a:lnRef idx="2">
+            <a:schemeClr val="accent2">
+              <a:shade val="50000"/>
+            </a:schemeClr>
+          </a:lnRef>
+          <a:fillRef idx="1">
+            <a:schemeClr val="accent2"/>
+          </a:fillRef>
+          <a:effectRef idx="0">
+            <a:schemeClr val="accent2"/>
+          </a:effectRef>
+          <a:fontRef idx="minor">
+            <a:schemeClr val="lt1"/>
+          </a:fontRef>
+        </p:style>
+        <p:txBody>
+          <a:bodyPr rtlCol="0" anchor="ctr"/>
+          <a:lstStyle/>
+          <a:p>
+            <a:pPr algn="ctr"/>
+            <a:endParaRPr lang="en-US"/>
+          </a:p>
+        </p:txBody>
+      </p:sp>
+      <p:sp>
+        <p:nvSpPr>
+          <p:cNvPr id="40" name="Rectangle 39">
+            <a:extLst>
+              <a:ext uri="{FF2B5EF4-FFF2-40B4-BE49-F238E27FC236}">
+                <a16:creationId xmlns:a16="http://schemas.microsoft.com/office/drawing/2014/main" id="{EBB824ED-7F07-114B-B923-416C052D23A6}"/>
+              </a:ext>
+            </a:extLst>
+          </p:cNvPr>
+          <p:cNvSpPr/>
+          <p:nvPr/>
+        </p:nvSpPr>
+        <p:spPr>
+          <a:xfrm>
+            <a:off x="2691585" y="7655370"/>
+            <a:ext cx="765314" cy="358910"/>
+          </a:xfrm>
+          <a:prstGeom prst="rect">
+            <a:avLst/>
+          </a:prstGeom>
+        </p:spPr>
+        <p:style>
+          <a:lnRef idx="2">
+            <a:schemeClr val="accent3">
+              <a:shade val="50000"/>
+            </a:schemeClr>
+          </a:lnRef>
+          <a:fillRef idx="1">
+            <a:schemeClr val="accent3"/>
+          </a:fillRef>
+          <a:effectRef idx="0">
+            <a:schemeClr val="accent3"/>
+          </a:effectRef>
+          <a:fontRef idx="minor">
+            <a:schemeClr val="lt1"/>
+          </a:fontRef>
+        </p:style>
+        <p:txBody>
+          <a:bodyPr rtlCol="0" anchor="ctr"/>
+          <a:lstStyle/>
+          <a:p>
+            <a:pPr algn="ctr"/>
+            <a:r>
+              <a:rPr lang="en-US" sz="1200" dirty="0"/>
+              <a:t>GEMS</a:t>
+            </a:r>
+          </a:p>
+        </p:txBody>
+      </p:sp>
+      <p:sp>
+        <p:nvSpPr>
+          <p:cNvPr id="41" name="Down Arrow 40">
+            <a:extLst>
+              <a:ext uri="{FF2B5EF4-FFF2-40B4-BE49-F238E27FC236}">
+                <a16:creationId xmlns:a16="http://schemas.microsoft.com/office/drawing/2014/main" id="{23D786CB-B178-2E41-A79B-5B375A7288CB}"/>
+              </a:ext>
+            </a:extLst>
+          </p:cNvPr>
+          <p:cNvSpPr/>
+          <p:nvPr/>
+        </p:nvSpPr>
+        <p:spPr>
+          <a:xfrm>
+            <a:off x="2978975" y="8050452"/>
+            <a:ext cx="246888" cy="338328"/>
+          </a:xfrm>
+          <a:prstGeom prst="downArrow">
+            <a:avLst/>
+          </a:prstGeom>
+        </p:spPr>
+        <p:style>
+          <a:lnRef idx="2">
+            <a:schemeClr val="accent2">
+              <a:shade val="50000"/>
+            </a:schemeClr>
+          </a:lnRef>
+          <a:fillRef idx="1">
+            <a:schemeClr val="accent2"/>
+          </a:fillRef>
+          <a:effectRef idx="0">
+            <a:schemeClr val="accent2"/>
+          </a:effectRef>
+          <a:fontRef idx="minor">
+            <a:schemeClr val="lt1"/>
+          </a:fontRef>
+        </p:style>
+        <p:txBody>
+          <a:bodyPr rtlCol="0" anchor="ctr"/>
+          <a:lstStyle/>
+          <a:p>
+            <a:pPr algn="ctr"/>
+            <a:endParaRPr lang="en-US"/>
+          </a:p>
+        </p:txBody>
+      </p:sp>
+      <p:sp>
+        <p:nvSpPr>
+          <p:cNvPr id="42" name="Rounded Rectangle 41">
+            <a:extLst>
+              <a:ext uri="{FF2B5EF4-FFF2-40B4-BE49-F238E27FC236}">
+                <a16:creationId xmlns:a16="http://schemas.microsoft.com/office/drawing/2014/main" id="{492E5B8C-18C7-984C-956A-40C6A5ECFBA5}"/>
+              </a:ext>
+            </a:extLst>
+          </p:cNvPr>
+          <p:cNvSpPr/>
+          <p:nvPr/>
+        </p:nvSpPr>
+        <p:spPr>
+          <a:xfrm>
+            <a:off x="2519455" y="8513854"/>
+            <a:ext cx="1165928" cy="328911"/>
+          </a:xfrm>
+          <a:prstGeom prst="roundRect">
+            <a:avLst/>
+          </a:prstGeom>
+        </p:spPr>
+        <p:style>
+          <a:lnRef idx="2">
+            <a:schemeClr val="dk1">
+              <a:shade val="50000"/>
+            </a:schemeClr>
+          </a:lnRef>
+          <a:fillRef idx="1">
+            <a:schemeClr val="dk1"/>
+          </a:fillRef>
+          <a:effectRef idx="0">
+            <a:schemeClr val="dk1"/>
+          </a:effectRef>
+          <a:fontRef idx="minor">
+            <a:schemeClr val="lt1"/>
+          </a:fontRef>
+        </p:style>
+        <p:txBody>
+          <a:bodyPr rtlCol="0" anchor="ctr"/>
+          <a:lstStyle/>
+          <a:p>
+            <a:pPr algn="ctr"/>
+            <a:r>
+              <a:rPr lang="en-US" sz="1200" dirty="0"/>
+              <a:t>GEMS Output</a:t>
+            </a:r>
+          </a:p>
+        </p:txBody>
+      </p:sp>
+      <p:sp>
+        <p:nvSpPr>
+          <p:cNvPr id="44" name="Rounded Rectangle 43">
+            <a:extLst>
+              <a:ext uri="{FF2B5EF4-FFF2-40B4-BE49-F238E27FC236}">
+                <a16:creationId xmlns:a16="http://schemas.microsoft.com/office/drawing/2014/main" id="{C6CDC3A0-A1CC-4B46-B7B3-A71782DBC048}"/>
+              </a:ext>
+            </a:extLst>
+          </p:cNvPr>
+          <p:cNvSpPr/>
+          <p:nvPr/>
+        </p:nvSpPr>
+        <p:spPr>
+          <a:xfrm>
+            <a:off x="3081166" y="6715437"/>
+            <a:ext cx="1041784" cy="326767"/>
+          </a:xfrm>
+          <a:prstGeom prst="roundRect">
+            <a:avLst/>
+          </a:prstGeom>
+        </p:spPr>
+        <p:style>
+          <a:lnRef idx="2">
+            <a:schemeClr val="dk1">
+              <a:shade val="50000"/>
+            </a:schemeClr>
+          </a:lnRef>
+          <a:fillRef idx="1">
+            <a:schemeClr val="dk1"/>
+          </a:fillRef>
+          <a:effectRef idx="0">
+            <a:schemeClr val="dk1"/>
+          </a:effectRef>
+          <a:fontRef idx="minor">
+            <a:schemeClr val="lt1"/>
+          </a:fontRef>
+        </p:style>
+        <p:txBody>
+          <a:bodyPr rtlCol="0" anchor="ctr"/>
+          <a:lstStyle/>
+          <a:p>
+            <a:pPr algn="ctr"/>
+            <a:r>
+              <a:rPr lang="en-US" sz="1200" dirty="0"/>
+              <a:t>Input Data</a:t>
+            </a:r>
+          </a:p>
+        </p:txBody>
+      </p:sp>
+      <p:sp>
+        <p:nvSpPr>
+          <p:cNvPr id="46" name="Rectangle 45">
+            <a:extLst>
+              <a:ext uri="{FF2B5EF4-FFF2-40B4-BE49-F238E27FC236}">
+                <a16:creationId xmlns:a16="http://schemas.microsoft.com/office/drawing/2014/main" id="{C7D61A94-4515-1042-9E3B-FD25C9E48D1D}"/>
+              </a:ext>
+            </a:extLst>
+          </p:cNvPr>
+          <p:cNvSpPr/>
+          <p:nvPr/>
+        </p:nvSpPr>
+        <p:spPr>
+          <a:xfrm>
+            <a:off x="5760517" y="7069047"/>
+            <a:ext cx="930992" cy="318310"/>
+          </a:xfrm>
+          <a:prstGeom prst="rect">
+            <a:avLst/>
+          </a:prstGeom>
+        </p:spPr>
+        <p:style>
+          <a:lnRef idx="2">
+            <a:schemeClr val="accent4">
+              <a:shade val="50000"/>
+            </a:schemeClr>
+          </a:lnRef>
+          <a:fillRef idx="1">
+            <a:schemeClr val="accent4"/>
+          </a:fillRef>
+          <a:effectRef idx="0">
+            <a:schemeClr val="accent4"/>
+          </a:effectRef>
+          <a:fontRef idx="minor">
+            <a:schemeClr val="lt1"/>
+          </a:fontRef>
+        </p:style>
+        <p:txBody>
+          <a:bodyPr rtlCol="0" anchor="ctr"/>
+          <a:lstStyle/>
+          <a:p>
+            <a:pPr algn="ctr"/>
+            <a:r>
+              <a:rPr lang="en-US" sz="1200" dirty="0">
+                <a:latin typeface="Monaco" pitchFamily="2" charset="77"/>
+              </a:rPr>
+              <a:t>gems.inp</a:t>
+            </a:r>
+          </a:p>
+        </p:txBody>
+      </p:sp>
+      <p:cxnSp>
+        <p:nvCxnSpPr>
+          <p:cNvPr id="50" name="Straight Arrow Connector 49">
+            <a:extLst>
+              <a:ext uri="{FF2B5EF4-FFF2-40B4-BE49-F238E27FC236}">
+                <a16:creationId xmlns:a16="http://schemas.microsoft.com/office/drawing/2014/main" id="{B3F940A1-65F7-F746-843B-70372D48E09D}"/>
+              </a:ext>
+            </a:extLst>
+          </p:cNvPr>
+          <p:cNvCxnSpPr>
+            <a:cxnSpLocks/>
+          </p:cNvCxnSpPr>
+          <p:nvPr/>
+        </p:nvCxnSpPr>
+        <p:spPr>
+          <a:xfrm>
+            <a:off x="4280100" y="6853603"/>
+            <a:ext cx="1120514" cy="0"/>
+          </a:xfrm>
+          <a:prstGeom prst="straightConnector1">
+            <a:avLst/>
+          </a:prstGeom>
+          <a:ln>
+            <a:tailEnd type="triangle"/>
+          </a:ln>
+        </p:spPr>
+        <p:style>
+          <a:lnRef idx="1">
+            <a:schemeClr val="dk1"/>
+          </a:lnRef>
+          <a:fillRef idx="0">
+            <a:schemeClr val="dk1"/>
+          </a:fillRef>
+          <a:effectRef idx="0">
+            <a:schemeClr val="dk1"/>
+          </a:effectRef>
+          <a:fontRef idx="minor">
+            <a:schemeClr val="tx1"/>
+          </a:fontRef>
+        </p:style>
+      </p:cxnSp>
+      <p:sp>
+        <p:nvSpPr>
+          <p:cNvPr id="51" name="TextBox 50">
+            <a:extLst>
+              <a:ext uri="{FF2B5EF4-FFF2-40B4-BE49-F238E27FC236}">
+                <a16:creationId xmlns:a16="http://schemas.microsoft.com/office/drawing/2014/main" id="{BC524133-43B1-0847-822A-698E260BB602}"/>
+              </a:ext>
+            </a:extLst>
+          </p:cNvPr>
+          <p:cNvSpPr txBox="1"/>
+          <p:nvPr/>
+        </p:nvSpPr>
+        <p:spPr>
+          <a:xfrm>
+            <a:off x="5770516" y="6815496"/>
+            <a:ext cx="873951" cy="276999"/>
+          </a:xfrm>
+          <a:prstGeom prst="rect">
+            <a:avLst/>
+          </a:prstGeom>
+          <a:noFill/>
+        </p:spPr>
+        <p:txBody>
+          <a:bodyPr wrap="square" rtlCol="0">
+            <a:spAutoFit/>
+          </a:bodyPr>
+          <a:lstStyle/>
+          <a:p>
+            <a:pPr algn="ctr"/>
+            <a:r>
+              <a:rPr lang="en-US" sz="1200" dirty="0">
+                <a:solidFill>
+                  <a:srgbClr val="FF0000"/>
+                </a:solidFill>
+              </a:rPr>
+              <a:t>Input file</a:t>
+            </a:r>
+          </a:p>
+        </p:txBody>
+      </p:sp>
+      <p:sp>
+        <p:nvSpPr>
+          <p:cNvPr id="52" name="Rectangle 51">
+            <a:extLst>
+              <a:ext uri="{FF2B5EF4-FFF2-40B4-BE49-F238E27FC236}">
+                <a16:creationId xmlns:a16="http://schemas.microsoft.com/office/drawing/2014/main" id="{14A8C727-CF87-2542-81A3-F8322366025B}"/>
+              </a:ext>
+            </a:extLst>
+          </p:cNvPr>
+          <p:cNvSpPr/>
+          <p:nvPr/>
+        </p:nvSpPr>
+        <p:spPr>
+          <a:xfrm>
+            <a:off x="4007948" y="7669687"/>
+            <a:ext cx="1206421" cy="318310"/>
+          </a:xfrm>
+          <a:prstGeom prst="rect">
+            <a:avLst/>
+          </a:prstGeom>
+        </p:spPr>
+        <p:style>
+          <a:lnRef idx="2">
+            <a:schemeClr val="accent4">
+              <a:shade val="50000"/>
+            </a:schemeClr>
+          </a:lnRef>
+          <a:fillRef idx="1">
+            <a:schemeClr val="accent4"/>
+          </a:fillRef>
+          <a:effectRef idx="0">
+            <a:schemeClr val="accent4"/>
+          </a:effectRef>
+          <a:fontRef idx="minor">
+            <a:schemeClr val="lt1"/>
+          </a:fontRef>
+        </p:style>
+        <p:txBody>
+          <a:bodyPr rtlCol="0" anchor="ctr"/>
+          <a:lstStyle/>
+          <a:p>
+            <a:pPr algn="ctr"/>
+            <a:r>
+              <a:rPr lang="en-US" sz="1200" dirty="0">
+                <a:latin typeface="Monaco" pitchFamily="2" charset="77"/>
+              </a:rPr>
+              <a:t>gems_*.f90</a:t>
+            </a:r>
+          </a:p>
+        </p:txBody>
+      </p:sp>
+      <p:sp>
+        <p:nvSpPr>
+          <p:cNvPr id="53" name="TextBox 52">
+            <a:extLst>
+              <a:ext uri="{FF2B5EF4-FFF2-40B4-BE49-F238E27FC236}">
+                <a16:creationId xmlns:a16="http://schemas.microsoft.com/office/drawing/2014/main" id="{9E865744-57E8-604C-B978-661C1C9CC65A}"/>
+              </a:ext>
+            </a:extLst>
+          </p:cNvPr>
+          <p:cNvSpPr txBox="1"/>
+          <p:nvPr/>
+        </p:nvSpPr>
+        <p:spPr>
+          <a:xfrm>
+            <a:off x="3990624" y="7390408"/>
+            <a:ext cx="1241731" cy="276999"/>
+          </a:xfrm>
+          <a:prstGeom prst="rect">
+            <a:avLst/>
+          </a:prstGeom>
+          <a:noFill/>
+        </p:spPr>
+        <p:txBody>
+          <a:bodyPr wrap="square" rtlCol="0">
+            <a:spAutoFit/>
+          </a:bodyPr>
+          <a:lstStyle/>
+          <a:p>
+            <a:pPr algn="ctr"/>
+            <a:r>
+              <a:rPr lang="en-US" sz="1200" dirty="0">
+                <a:solidFill>
+                  <a:srgbClr val="FF0000"/>
+                </a:solidFill>
+              </a:rPr>
+              <a:t>GEMS code</a:t>
+            </a:r>
+          </a:p>
+        </p:txBody>
+      </p:sp>
+      <p:sp>
+        <p:nvSpPr>
+          <p:cNvPr id="54" name="Right Brace 53">
+            <a:extLst>
+              <a:ext uri="{FF2B5EF4-FFF2-40B4-BE49-F238E27FC236}">
+                <a16:creationId xmlns:a16="http://schemas.microsoft.com/office/drawing/2014/main" id="{63922391-34DD-BC41-B8A8-8F11C25CB83E}"/>
+              </a:ext>
+            </a:extLst>
+          </p:cNvPr>
+          <p:cNvSpPr/>
+          <p:nvPr/>
+        </p:nvSpPr>
+        <p:spPr>
+          <a:xfrm rot="5400000">
+            <a:off x="2997919" y="6431958"/>
+            <a:ext cx="166493" cy="1430263"/>
+          </a:xfrm>
+          <a:prstGeom prst="rightBrace">
+            <a:avLst>
+              <a:gd name="adj1" fmla="val 44270"/>
+              <a:gd name="adj2" fmla="val 49606"/>
+            </a:avLst>
+          </a:prstGeom>
+        </p:spPr>
+        <p:style>
+          <a:lnRef idx="2">
+            <a:schemeClr val="dk1"/>
+          </a:lnRef>
+          <a:fillRef idx="0">
+            <a:schemeClr val="dk1"/>
+          </a:fillRef>
+          <a:effectRef idx="1">
+            <a:schemeClr val="dk1"/>
+          </a:effectRef>
+          <a:fontRef idx="minor">
+            <a:schemeClr val="tx1"/>
+          </a:fontRef>
+        </p:style>
+        <p:txBody>
+          <a:bodyPr rtlCol="0" anchor="ctr"/>
+          <a:lstStyle/>
+          <a:p>
+            <a:pPr algn="ctr"/>
+            <a:endParaRPr lang="en-US"/>
+          </a:p>
+        </p:txBody>
+      </p:sp>
+      <p:sp>
+        <p:nvSpPr>
+          <p:cNvPr id="55" name="TextBox 54">
+            <a:extLst>
+              <a:ext uri="{FF2B5EF4-FFF2-40B4-BE49-F238E27FC236}">
+                <a16:creationId xmlns:a16="http://schemas.microsoft.com/office/drawing/2014/main" id="{68D65E5B-35B2-D24E-9C62-E4A14C3F83FF}"/>
+              </a:ext>
+            </a:extLst>
+          </p:cNvPr>
+          <p:cNvSpPr txBox="1"/>
+          <p:nvPr/>
+        </p:nvSpPr>
+        <p:spPr>
+          <a:xfrm>
+            <a:off x="5759817" y="6127599"/>
+            <a:ext cx="873951" cy="276999"/>
+          </a:xfrm>
+          <a:prstGeom prst="rect">
+            <a:avLst/>
+          </a:prstGeom>
+          <a:noFill/>
+        </p:spPr>
+        <p:txBody>
+          <a:bodyPr wrap="square" rtlCol="0">
+            <a:spAutoFit/>
+          </a:bodyPr>
+          <a:lstStyle/>
+          <a:p>
+            <a:pPr algn="ctr"/>
+            <a:r>
+              <a:rPr lang="en-US" sz="1200" dirty="0">
+                <a:solidFill>
+                  <a:srgbClr val="FF0000"/>
+                </a:solidFill>
+              </a:rPr>
+              <a:t>mesh file</a:t>
+            </a:r>
+          </a:p>
+        </p:txBody>
+      </p:sp>
+      <p:sp>
+        <p:nvSpPr>
+          <p:cNvPr id="58" name="Rectangle 57">
+            <a:extLst>
+              <a:ext uri="{FF2B5EF4-FFF2-40B4-BE49-F238E27FC236}">
+                <a16:creationId xmlns:a16="http://schemas.microsoft.com/office/drawing/2014/main" id="{86AA91CD-508B-CE44-953E-EB18D3E3ADCF}"/>
+              </a:ext>
+            </a:extLst>
+          </p:cNvPr>
+          <p:cNvSpPr/>
+          <p:nvPr/>
+        </p:nvSpPr>
+        <p:spPr>
+          <a:xfrm>
+            <a:off x="5587520" y="6372462"/>
+            <a:ext cx="1218544" cy="359135"/>
+          </a:xfrm>
+          <a:prstGeom prst="rect">
+            <a:avLst/>
+          </a:prstGeom>
+        </p:spPr>
+        <p:style>
+          <a:lnRef idx="2">
+            <a:schemeClr val="accent4">
+              <a:shade val="50000"/>
+            </a:schemeClr>
+          </a:lnRef>
+          <a:fillRef idx="1">
+            <a:schemeClr val="accent4"/>
+          </a:fillRef>
+          <a:effectRef idx="0">
+            <a:schemeClr val="accent4"/>
+          </a:effectRef>
+          <a:fontRef idx="minor">
+            <a:schemeClr val="lt1"/>
+          </a:fontRef>
+        </p:style>
+        <p:txBody>
+          <a:bodyPr rtlCol="0" anchor="ctr"/>
+          <a:lstStyle/>
+          <a:p>
+            <a:pPr algn="ctr"/>
+            <a:r>
+              <a:rPr lang="en-US" sz="1200" dirty="0">
+                <a:latin typeface="Monaco" pitchFamily="2" charset="77"/>
+              </a:rPr>
+              <a:t>meshname.XX</a:t>
+            </a:r>
+          </a:p>
+        </p:txBody>
+      </p:sp>
+      <p:cxnSp>
+        <p:nvCxnSpPr>
+          <p:cNvPr id="59" name="Straight Arrow Connector 58">
+            <a:extLst>
+              <a:ext uri="{FF2B5EF4-FFF2-40B4-BE49-F238E27FC236}">
+                <a16:creationId xmlns:a16="http://schemas.microsoft.com/office/drawing/2014/main" id="{1A0B4661-F8D3-614B-83D0-307A802FD6F9}"/>
+              </a:ext>
+            </a:extLst>
+          </p:cNvPr>
+          <p:cNvCxnSpPr>
+            <a:cxnSpLocks/>
+            <a:endCxn id="52" idx="1"/>
+          </p:cNvCxnSpPr>
+          <p:nvPr/>
+        </p:nvCxnSpPr>
+        <p:spPr>
+          <a:xfrm>
+            <a:off x="3490644" y="7828842"/>
+            <a:ext cx="517304" cy="0"/>
+          </a:xfrm>
+          <a:prstGeom prst="straightConnector1">
+            <a:avLst/>
+          </a:prstGeom>
+          <a:ln>
+            <a:tailEnd type="triangle"/>
+          </a:ln>
+        </p:spPr>
+        <p:style>
+          <a:lnRef idx="1">
+            <a:schemeClr val="dk1"/>
+          </a:lnRef>
+          <a:fillRef idx="0">
+            <a:schemeClr val="dk1"/>
+          </a:fillRef>
+          <a:effectRef idx="0">
+            <a:schemeClr val="dk1"/>
+          </a:effectRef>
+          <a:fontRef idx="minor">
+            <a:schemeClr val="tx1"/>
+          </a:fontRef>
+        </p:style>
+      </p:cxnSp>
+      <p:sp>
+        <p:nvSpPr>
+          <p:cNvPr id="61" name="Rectangle 60">
+            <a:extLst>
+              <a:ext uri="{FF2B5EF4-FFF2-40B4-BE49-F238E27FC236}">
+                <a16:creationId xmlns:a16="http://schemas.microsoft.com/office/drawing/2014/main" id="{A0F3927A-A42E-774B-9341-493549E4AF78}"/>
+              </a:ext>
+            </a:extLst>
+          </p:cNvPr>
+          <p:cNvSpPr/>
+          <p:nvPr/>
+        </p:nvSpPr>
+        <p:spPr>
+          <a:xfrm>
+            <a:off x="4102369" y="8493414"/>
+            <a:ext cx="2397820" cy="361553"/>
+          </a:xfrm>
+          <a:prstGeom prst="rect">
+            <a:avLst/>
+          </a:prstGeom>
+        </p:spPr>
+        <p:style>
+          <a:lnRef idx="2">
+            <a:schemeClr val="accent4">
+              <a:shade val="50000"/>
+            </a:schemeClr>
+          </a:lnRef>
+          <a:fillRef idx="1">
+            <a:schemeClr val="accent4"/>
+          </a:fillRef>
+          <a:effectRef idx="0">
+            <a:schemeClr val="accent4"/>
+          </a:effectRef>
+          <a:fontRef idx="minor">
+            <a:schemeClr val="lt1"/>
+          </a:fontRef>
+        </p:style>
+        <p:txBody>
+          <a:bodyPr rtlCol="0" anchor="ctr"/>
+          <a:lstStyle/>
+          <a:p>
+            <a:pPr algn="ctr"/>
+            <a:r>
+              <a:rPr lang="en-US" sz="1200" dirty="0">
+                <a:latin typeface="Monaco" pitchFamily="2" charset="77"/>
+              </a:rPr>
+              <a:t>gems2plot_XX.plt.YY.dat</a:t>
+            </a:r>
+          </a:p>
+        </p:txBody>
+      </p:sp>
+      <p:sp>
+        <p:nvSpPr>
+          <p:cNvPr id="62" name="TextBox 61">
+            <a:extLst>
+              <a:ext uri="{FF2B5EF4-FFF2-40B4-BE49-F238E27FC236}">
+                <a16:creationId xmlns:a16="http://schemas.microsoft.com/office/drawing/2014/main" id="{E3E7E798-F71D-3840-926B-E59A094FB30D}"/>
+              </a:ext>
+            </a:extLst>
+          </p:cNvPr>
+          <p:cNvSpPr txBox="1"/>
+          <p:nvPr/>
+        </p:nvSpPr>
+        <p:spPr>
+          <a:xfrm>
+            <a:off x="3936819" y="8215101"/>
+            <a:ext cx="2835521" cy="276999"/>
+          </a:xfrm>
+          <a:prstGeom prst="rect">
+            <a:avLst/>
+          </a:prstGeom>
+          <a:noFill/>
+        </p:spPr>
+        <p:txBody>
+          <a:bodyPr wrap="square" rtlCol="0">
+            <a:spAutoFit/>
+          </a:bodyPr>
+          <a:lstStyle/>
+          <a:p>
+            <a:pPr algn="ctr"/>
+            <a:r>
+              <a:rPr lang="en-US" sz="1200" dirty="0">
+                <a:solidFill>
+                  <a:srgbClr val="FF0000"/>
+                </a:solidFill>
+              </a:rPr>
+              <a:t>Visualization Software, e.g., TECPLOT</a:t>
+            </a:r>
+          </a:p>
+        </p:txBody>
+      </p:sp>
+      <p:cxnSp>
+        <p:nvCxnSpPr>
+          <p:cNvPr id="63" name="Straight Arrow Connector 62">
+            <a:extLst>
+              <a:ext uri="{FF2B5EF4-FFF2-40B4-BE49-F238E27FC236}">
+                <a16:creationId xmlns:a16="http://schemas.microsoft.com/office/drawing/2014/main" id="{A5E01EEB-39C8-F241-9FBA-C75BE5B2AD32}"/>
+              </a:ext>
+            </a:extLst>
+          </p:cNvPr>
+          <p:cNvCxnSpPr>
+            <a:cxnSpLocks/>
+            <a:stCxn id="42" idx="3"/>
+            <a:endCxn id="61" idx="1"/>
+          </p:cNvCxnSpPr>
+          <p:nvPr/>
+        </p:nvCxnSpPr>
+        <p:spPr>
+          <a:xfrm flipV="1">
+            <a:off x="3685383" y="8674191"/>
+            <a:ext cx="416986" cy="4119"/>
+          </a:xfrm>
+          <a:prstGeom prst="straightConnector1">
+            <a:avLst/>
+          </a:prstGeom>
+          <a:ln>
+            <a:tailEnd type="triangle"/>
+          </a:ln>
+        </p:spPr>
+        <p:style>
+          <a:lnRef idx="1">
+            <a:schemeClr val="dk1"/>
+          </a:lnRef>
+          <a:fillRef idx="0">
+            <a:schemeClr val="dk1"/>
+          </a:fillRef>
+          <a:effectRef idx="0">
+            <a:schemeClr val="dk1"/>
+          </a:effectRef>
+          <a:fontRef idx="minor">
+            <a:schemeClr val="tx1"/>
+          </a:fontRef>
+        </p:style>
+      </p:cxnSp>
+    </p:spTree>
+    <p:extLst>
+      <p:ext uri="{BB962C8B-B14F-4D97-AF65-F5344CB8AC3E}">
+        <p14:creationId xmlns:p14="http://schemas.microsoft.com/office/powerpoint/2010/main" val="572865348"/>
+      </p:ext>
+    </p:extLst>
+  </p:cSld>
+  <p:clrMapOvr>
+    <a:masterClrMapping/>
+  </p:clrMapOvr>
+</p:sld>
+</file>
+
+<file path=ppt/slides/slide8.xml><?xml version="1.0" encoding="utf-8"?>
+<p:sld xmlns:a="http://schemas.openxmlformats.org/drawingml/2006/main" xmlns:r="http://schemas.openxmlformats.org/officeDocument/2006/relationships" xmlns:p="http://schemas.openxmlformats.org/presentationml/2006/main">
+  <p:cSld>
+    <p:spTree>
+      <p:nvGrpSpPr>
+        <p:cNvPr id="1" name=""/>
+        <p:cNvGrpSpPr/>
+        <p:nvPr/>
+      </p:nvGrpSpPr>
+      <p:grpSpPr>
+        <a:xfrm>
+          <a:off x="0" y="0"/>
+          <a:ext cx="0" cy="0"/>
+          <a:chOff x="0" y="0"/>
+          <a:chExt cx="0" cy="0"/>
+        </a:xfrm>
+      </p:grpSpPr>
+      <p:sp>
+        <p:nvSpPr>
+          <p:cNvPr id="6" name="Oval 5">
+            <a:extLst>
+              <a:ext uri="{FF2B5EF4-FFF2-40B4-BE49-F238E27FC236}">
+                <a16:creationId xmlns:a16="http://schemas.microsoft.com/office/drawing/2014/main" id="{0BC186E8-EB89-A94D-B92A-6E32AE706693}"/>
+              </a:ext>
+            </a:extLst>
+          </p:cNvPr>
+          <p:cNvSpPr/>
+          <p:nvPr/>
+        </p:nvSpPr>
+        <p:spPr>
+          <a:xfrm>
+            <a:off x="3138985" y="2811439"/>
+            <a:ext cx="1269242" cy="2388358"/>
+          </a:xfrm>
+          <a:prstGeom prst="ellipse">
+            <a:avLst/>
+          </a:prstGeom>
+          <a:solidFill>
+            <a:schemeClr val="accent3"/>
+          </a:solidFill>
+          <a:ln w="28575">
+            <a:noFill/>
+            <a:prstDash val="sysDash"/>
+          </a:ln>
+        </p:spPr>
+        <p:style>
+          <a:lnRef idx="2">
+            <a:schemeClr val="accent1">
+              <a:shade val="50000"/>
+            </a:schemeClr>
+          </a:lnRef>
+          <a:fillRef idx="1">
+            <a:schemeClr val="accent1"/>
+          </a:fillRef>
+          <a:effectRef idx="0">
+            <a:schemeClr val="accent1"/>
+          </a:effectRef>
+          <a:fontRef idx="minor">
+            <a:schemeClr val="lt1"/>
+          </a:fontRef>
+        </p:style>
+        <p:txBody>
+          <a:bodyPr rtlCol="0" anchor="ctr"/>
+          <a:lstStyle/>
+          <a:p>
+            <a:pPr algn="ctr"/>
+            <a:endParaRPr lang="en-US">
+              <a:ln>
+                <a:solidFill>
+                  <a:schemeClr val="bg2"/>
+                </a:solidFill>
+              </a:ln>
+              <a:solidFill>
+                <a:schemeClr val="bg2"/>
+              </a:solidFill>
+            </a:endParaRPr>
+          </a:p>
+        </p:txBody>
+      </p:sp>
+      <p:sp>
+        <p:nvSpPr>
+          <p:cNvPr id="2" name="Oval 1">
+            <a:extLst>
+              <a:ext uri="{FF2B5EF4-FFF2-40B4-BE49-F238E27FC236}">
+                <a16:creationId xmlns:a16="http://schemas.microsoft.com/office/drawing/2014/main" id="{5C84CA07-6F58-884E-8C96-19D7B649D755}"/>
+              </a:ext>
+            </a:extLst>
+          </p:cNvPr>
+          <p:cNvSpPr/>
+          <p:nvPr/>
+        </p:nvSpPr>
+        <p:spPr>
+          <a:xfrm>
+            <a:off x="3138985" y="2811439"/>
+            <a:ext cx="1269242" cy="2388358"/>
+          </a:xfrm>
+          <a:prstGeom prst="ellipse">
+            <a:avLst/>
+          </a:prstGeom>
+          <a:noFill/>
+          <a:ln w="28575">
+            <a:solidFill>
+              <a:schemeClr val="tx1"/>
+            </a:solidFill>
+            <a:prstDash val="sysDash"/>
+          </a:ln>
+        </p:spPr>
+        <p:style>
+          <a:lnRef idx="2">
+            <a:schemeClr val="accent1">
+              <a:shade val="50000"/>
+            </a:schemeClr>
+          </a:lnRef>
+          <a:fillRef idx="1">
+            <a:schemeClr val="accent1"/>
+          </a:fillRef>
+          <a:effectRef idx="0">
+            <a:schemeClr val="accent1"/>
+          </a:effectRef>
+          <a:fontRef idx="minor">
+            <a:schemeClr val="lt1"/>
+          </a:fontRef>
+        </p:style>
+        <p:txBody>
+          <a:bodyPr rtlCol="0" anchor="ctr"/>
+          <a:lstStyle/>
+          <a:p>
+            <a:pPr algn="ctr"/>
+            <a:endParaRPr lang="en-US"/>
+          </a:p>
+        </p:txBody>
+      </p:sp>
+      <p:sp>
+        <p:nvSpPr>
+          <p:cNvPr id="3" name="Oval 2">
+            <a:extLst>
+              <a:ext uri="{FF2B5EF4-FFF2-40B4-BE49-F238E27FC236}">
+                <a16:creationId xmlns:a16="http://schemas.microsoft.com/office/drawing/2014/main" id="{F0E0318C-DE2D-2344-86D5-05B18F642A70}"/>
+              </a:ext>
+            </a:extLst>
+          </p:cNvPr>
+          <p:cNvSpPr/>
+          <p:nvPr/>
+        </p:nvSpPr>
+        <p:spPr>
+          <a:xfrm>
+            <a:off x="3773605" y="2616240"/>
+            <a:ext cx="2067636" cy="1600918"/>
+          </a:xfrm>
+          <a:prstGeom prst="ellipse">
+            <a:avLst/>
+          </a:prstGeom>
+          <a:noFill/>
+          <a:ln w="28575">
+            <a:solidFill>
+              <a:srgbClr val="FF0000"/>
+            </a:solidFill>
+          </a:ln>
+        </p:spPr>
+        <p:style>
+          <a:lnRef idx="2">
+            <a:schemeClr val="accent1">
+              <a:shade val="50000"/>
+            </a:schemeClr>
+          </a:lnRef>
+          <a:fillRef idx="1">
+            <a:schemeClr val="accent1"/>
+          </a:fillRef>
+          <a:effectRef idx="0">
+            <a:schemeClr val="accent1"/>
+          </a:effectRef>
+          <a:fontRef idx="minor">
+            <a:schemeClr val="lt1"/>
+          </a:fontRef>
+        </p:style>
+        <p:txBody>
+          <a:bodyPr rtlCol="0" anchor="ctr"/>
+          <a:lstStyle/>
+          <a:p>
+            <a:pPr algn="ctr"/>
+            <a:endParaRPr lang="en-US"/>
+          </a:p>
+        </p:txBody>
+      </p:sp>
+      <p:sp>
+        <p:nvSpPr>
+          <p:cNvPr id="4" name="TextBox 3">
+            <a:extLst>
+              <a:ext uri="{FF2B5EF4-FFF2-40B4-BE49-F238E27FC236}">
+                <a16:creationId xmlns:a16="http://schemas.microsoft.com/office/drawing/2014/main" id="{72CD7AB6-9D43-B046-B7B3-9080E3AC11B4}"/>
+              </a:ext>
+            </a:extLst>
+          </p:cNvPr>
+          <p:cNvSpPr txBox="1"/>
+          <p:nvPr/>
+        </p:nvSpPr>
+        <p:spPr>
+          <a:xfrm>
+            <a:off x="2946210" y="5394996"/>
+            <a:ext cx="1654791" cy="923330"/>
+          </a:xfrm>
+          <a:prstGeom prst="rect">
+            <a:avLst/>
+          </a:prstGeom>
+          <a:noFill/>
+          <a:ln>
+            <a:solidFill>
+              <a:schemeClr val="tx1"/>
+            </a:solidFill>
+            <a:prstDash val="solid"/>
+          </a:ln>
+        </p:spPr>
+        <p:txBody>
+          <a:bodyPr wrap="square" rtlCol="0">
+            <a:spAutoFit/>
+          </a:bodyPr>
+          <a:lstStyle/>
+          <a:p>
+            <a:pPr algn="ctr"/>
+            <a:r>
+              <a:rPr lang="en-US" dirty="0"/>
+              <a:t>Material Region at time t</a:t>
+            </a:r>
+            <a:r>
+              <a:rPr lang="en-US" baseline="-25000" dirty="0"/>
+              <a:t>1</a:t>
+            </a:r>
+          </a:p>
+        </p:txBody>
+      </p:sp>
+      <p:sp>
+        <p:nvSpPr>
+          <p:cNvPr id="5" name="TextBox 4">
+            <a:extLst>
+              <a:ext uri="{FF2B5EF4-FFF2-40B4-BE49-F238E27FC236}">
+                <a16:creationId xmlns:a16="http://schemas.microsoft.com/office/drawing/2014/main" id="{1A2DF439-5623-F84A-84A6-52C2CCC503A4}"/>
+              </a:ext>
+            </a:extLst>
+          </p:cNvPr>
+          <p:cNvSpPr txBox="1"/>
+          <p:nvPr/>
+        </p:nvSpPr>
+        <p:spPr>
+          <a:xfrm>
+            <a:off x="5322626" y="4217158"/>
+            <a:ext cx="1654791" cy="923330"/>
+          </a:xfrm>
+          <a:prstGeom prst="rect">
+            <a:avLst/>
+          </a:prstGeom>
+          <a:noFill/>
+          <a:ln>
+            <a:solidFill>
+              <a:schemeClr val="tx1"/>
+            </a:solidFill>
+            <a:prstDash val="solid"/>
+          </a:ln>
+        </p:spPr>
+        <p:txBody>
+          <a:bodyPr wrap="square" rtlCol="0">
+            <a:spAutoFit/>
+          </a:bodyPr>
+          <a:lstStyle/>
+          <a:p>
+            <a:pPr algn="ctr"/>
+            <a:r>
+              <a:rPr lang="en-US" dirty="0">
+                <a:solidFill>
+                  <a:srgbClr val="FF0000"/>
+                </a:solidFill>
+              </a:rPr>
+              <a:t>Material Region at time t</a:t>
+            </a:r>
+            <a:r>
+              <a:rPr lang="en-US" baseline="-25000" dirty="0">
+                <a:solidFill>
+                  <a:srgbClr val="FF0000"/>
+                </a:solidFill>
+              </a:rPr>
+              <a:t>2</a:t>
+            </a:r>
+          </a:p>
+        </p:txBody>
+      </p:sp>
+      <p:sp>
+        <p:nvSpPr>
+          <p:cNvPr id="7" name="TextBox 6">
+            <a:extLst>
+              <a:ext uri="{FF2B5EF4-FFF2-40B4-BE49-F238E27FC236}">
+                <a16:creationId xmlns:a16="http://schemas.microsoft.com/office/drawing/2014/main" id="{18974CE0-5DC0-5148-BCE7-9FB095C2078C}"/>
+              </a:ext>
+            </a:extLst>
+          </p:cNvPr>
+          <p:cNvSpPr txBox="1"/>
+          <p:nvPr/>
+        </p:nvSpPr>
+        <p:spPr>
+          <a:xfrm>
+            <a:off x="1484194" y="1689073"/>
+            <a:ext cx="1654791" cy="923330"/>
+          </a:xfrm>
+          <a:prstGeom prst="rect">
+            <a:avLst/>
+          </a:prstGeom>
+          <a:noFill/>
+          <a:ln>
+            <a:solidFill>
+              <a:schemeClr val="tx1"/>
+            </a:solidFill>
+            <a:prstDash val="solid"/>
+          </a:ln>
+        </p:spPr>
+        <p:txBody>
+          <a:bodyPr wrap="square" rtlCol="0">
+            <a:spAutoFit/>
+          </a:bodyPr>
+          <a:lstStyle/>
+          <a:p>
+            <a:pPr algn="ctr"/>
+            <a:r>
+              <a:rPr lang="en-US" dirty="0"/>
+              <a:t>Control Volume at time t</a:t>
+            </a:r>
+            <a:r>
+              <a:rPr lang="en-US" baseline="-25000" dirty="0"/>
+              <a:t>1</a:t>
+            </a:r>
+            <a:r>
+              <a:rPr lang="en-US" dirty="0"/>
+              <a:t> and t</a:t>
+            </a:r>
+            <a:r>
+              <a:rPr lang="en-US" baseline="-25000" dirty="0"/>
+              <a:t>2</a:t>
+            </a:r>
+          </a:p>
+        </p:txBody>
+      </p:sp>
+      <p:cxnSp>
+        <p:nvCxnSpPr>
+          <p:cNvPr id="9" name="Straight Arrow Connector 8">
+            <a:extLst>
+              <a:ext uri="{FF2B5EF4-FFF2-40B4-BE49-F238E27FC236}">
+                <a16:creationId xmlns:a16="http://schemas.microsoft.com/office/drawing/2014/main" id="{AF0517DC-10A8-864D-AC79-004387E22202}"/>
+              </a:ext>
+            </a:extLst>
+          </p:cNvPr>
+          <p:cNvCxnSpPr>
+            <a:cxnSpLocks/>
+            <a:stCxn id="7" idx="2"/>
+          </p:cNvCxnSpPr>
+          <p:nvPr/>
+        </p:nvCxnSpPr>
+        <p:spPr>
+          <a:xfrm>
+            <a:off x="2311590" y="2612403"/>
+            <a:ext cx="1277771" cy="1177838"/>
+          </a:xfrm>
+          <a:prstGeom prst="straightConnector1">
+            <a:avLst/>
+          </a:prstGeom>
+          <a:ln>
+            <a:tailEnd type="triangle"/>
+          </a:ln>
+        </p:spPr>
+        <p:style>
+          <a:lnRef idx="1">
+            <a:schemeClr val="dk1"/>
+          </a:lnRef>
+          <a:fillRef idx="0">
+            <a:schemeClr val="dk1"/>
+          </a:fillRef>
+          <a:effectRef idx="0">
+            <a:schemeClr val="dk1"/>
+          </a:effectRef>
+          <a:fontRef idx="minor">
+            <a:schemeClr val="tx1"/>
+          </a:fontRef>
+        </p:style>
+      </p:cxnSp>
+    </p:spTree>
+    <p:extLst>
+      <p:ext uri="{BB962C8B-B14F-4D97-AF65-F5344CB8AC3E}">
+        <p14:creationId xmlns:p14="http://schemas.microsoft.com/office/powerpoint/2010/main" val="2959148090"/>
+      </p:ext>
+    </p:extLst>
+  </p:cSld>
+  <p:clrMapOvr>
+    <a:masterClrMapping/>
+  </p:clrMapOvr>
+</p:sld>
+</file>
+
 <file path=ppt/theme/theme1.xml><?xml version="1.0" encoding="utf-8"?>
 <a:theme xmlns:a="http://schemas.openxmlformats.org/drawingml/2006/main" name="Office Theme">
   <a:themeElements>

--- a/myCFDTutorial/Figures.pptx
+++ b/myCFDTutorial/Figures.pptx
@@ -5,7 +5,7 @@
     <p:sldMasterId id="2147483672" r:id="rId1"/>
   </p:sldMasterIdLst>
   <p:notesMasterIdLst>
-    <p:notesMasterId r:id="rId10"/>
+    <p:notesMasterId r:id="rId11"/>
   </p:notesMasterIdLst>
   <p:sldIdLst>
     <p:sldId id="256" r:id="rId2"/>
@@ -16,6 +16,7 @@
     <p:sldId id="261" r:id="rId7"/>
     <p:sldId id="262" r:id="rId8"/>
     <p:sldId id="263" r:id="rId9"/>
+    <p:sldId id="264" r:id="rId10"/>
   </p:sldIdLst>
   <p:sldSz cx="7772400" cy="10058400"/>
   <p:notesSz cx="6858000" cy="9144000"/>
@@ -204,7 +205,7 @@
           <a:p>
             <a:fld id="{6017C400-FCEF-2343-AB10-B22BAE734D1D}" type="datetimeFigureOut">
               <a:rPr lang="en-US" smtClean="0"/>
-              <a:t>6/15/20</a:t>
+              <a:t>8/13/20</a:t>
             </a:fld>
             <a:endParaRPr lang="en-US"/>
           </a:p>
@@ -686,7 +687,7 @@
           <a:p>
             <a:fld id="{7B1D6CA5-2D2E-7D4F-9E85-EAF2605F5F67}" type="datetimeFigureOut">
               <a:rPr lang="en-US" smtClean="0"/>
-              <a:t>6/15/20</a:t>
+              <a:t>8/13/20</a:t>
             </a:fld>
             <a:endParaRPr lang="en-US"/>
           </a:p>
@@ -856,7 +857,7 @@
           <a:p>
             <a:fld id="{7B1D6CA5-2D2E-7D4F-9E85-EAF2605F5F67}" type="datetimeFigureOut">
               <a:rPr lang="en-US" smtClean="0"/>
-              <a:t>6/15/20</a:t>
+              <a:t>8/13/20</a:t>
             </a:fld>
             <a:endParaRPr lang="en-US"/>
           </a:p>
@@ -1036,7 +1037,7 @@
           <a:p>
             <a:fld id="{7B1D6CA5-2D2E-7D4F-9E85-EAF2605F5F67}" type="datetimeFigureOut">
               <a:rPr lang="en-US" smtClean="0"/>
-              <a:t>6/15/20</a:t>
+              <a:t>8/13/20</a:t>
             </a:fld>
             <a:endParaRPr lang="en-US"/>
           </a:p>
@@ -1206,7 +1207,7 @@
           <a:p>
             <a:fld id="{7B1D6CA5-2D2E-7D4F-9E85-EAF2605F5F67}" type="datetimeFigureOut">
               <a:rPr lang="en-US" smtClean="0"/>
-              <a:t>6/15/20</a:t>
+              <a:t>8/13/20</a:t>
             </a:fld>
             <a:endParaRPr lang="en-US"/>
           </a:p>
@@ -1450,7 +1451,7 @@
           <a:p>
             <a:fld id="{7B1D6CA5-2D2E-7D4F-9E85-EAF2605F5F67}" type="datetimeFigureOut">
               <a:rPr lang="en-US" smtClean="0"/>
-              <a:t>6/15/20</a:t>
+              <a:t>8/13/20</a:t>
             </a:fld>
             <a:endParaRPr lang="en-US"/>
           </a:p>
@@ -1682,7 +1683,7 @@
           <a:p>
             <a:fld id="{7B1D6CA5-2D2E-7D4F-9E85-EAF2605F5F67}" type="datetimeFigureOut">
               <a:rPr lang="en-US" smtClean="0"/>
-              <a:t>6/15/20</a:t>
+              <a:t>8/13/20</a:t>
             </a:fld>
             <a:endParaRPr lang="en-US"/>
           </a:p>
@@ -2049,7 +2050,7 @@
           <a:p>
             <a:fld id="{7B1D6CA5-2D2E-7D4F-9E85-EAF2605F5F67}" type="datetimeFigureOut">
               <a:rPr lang="en-US" smtClean="0"/>
-              <a:t>6/15/20</a:t>
+              <a:t>8/13/20</a:t>
             </a:fld>
             <a:endParaRPr lang="en-US"/>
           </a:p>
@@ -2167,7 +2168,7 @@
           <a:p>
             <a:fld id="{7B1D6CA5-2D2E-7D4F-9E85-EAF2605F5F67}" type="datetimeFigureOut">
               <a:rPr lang="en-US" smtClean="0"/>
-              <a:t>6/15/20</a:t>
+              <a:t>8/13/20</a:t>
             </a:fld>
             <a:endParaRPr lang="en-US"/>
           </a:p>
@@ -2262,7 +2263,7 @@
           <a:p>
             <a:fld id="{7B1D6CA5-2D2E-7D4F-9E85-EAF2605F5F67}" type="datetimeFigureOut">
               <a:rPr lang="en-US" smtClean="0"/>
-              <a:t>6/15/20</a:t>
+              <a:t>8/13/20</a:t>
             </a:fld>
             <a:endParaRPr lang="en-US"/>
           </a:p>
@@ -2539,7 +2540,7 @@
           <a:p>
             <a:fld id="{7B1D6CA5-2D2E-7D4F-9E85-EAF2605F5F67}" type="datetimeFigureOut">
               <a:rPr lang="en-US" smtClean="0"/>
-              <a:t>6/15/20</a:t>
+              <a:t>8/13/20</a:t>
             </a:fld>
             <a:endParaRPr lang="en-US"/>
           </a:p>
@@ -2796,7 +2797,7 @@
           <a:p>
             <a:fld id="{7B1D6CA5-2D2E-7D4F-9E85-EAF2605F5F67}" type="datetimeFigureOut">
               <a:rPr lang="en-US" smtClean="0"/>
-              <a:t>6/15/20</a:t>
+              <a:t>8/13/20</a:t>
             </a:fld>
             <a:endParaRPr lang="en-US"/>
           </a:p>
@@ -3007,7 +3008,7 @@
           <a:p>
             <a:fld id="{7B1D6CA5-2D2E-7D4F-9E85-EAF2605F5F67}" type="datetimeFigureOut">
               <a:rPr lang="en-US" smtClean="0"/>
-              <a:t>6/15/20</a:t>
+              <a:t>8/13/20</a:t>
             </a:fld>
             <a:endParaRPr lang="en-US"/>
           </a:p>
@@ -57266,6 +57267,2174 @@
 </p:sld>
 </file>
 
+<file path=ppt/slides/slide9.xml><?xml version="1.0" encoding="utf-8"?>
+<p:sld xmlns:a="http://schemas.openxmlformats.org/drawingml/2006/main" xmlns:r="http://schemas.openxmlformats.org/officeDocument/2006/relationships" xmlns:p="http://schemas.openxmlformats.org/presentationml/2006/main">
+  <p:cSld>
+    <p:spTree>
+      <p:nvGrpSpPr>
+        <p:cNvPr id="1" name=""/>
+        <p:cNvGrpSpPr/>
+        <p:nvPr/>
+      </p:nvGrpSpPr>
+      <p:grpSpPr>
+        <a:xfrm>
+          <a:off x="0" y="0"/>
+          <a:ext cx="0" cy="0"/>
+          <a:chOff x="0" y="0"/>
+          <a:chExt cx="0" cy="0"/>
+        </a:xfrm>
+      </p:grpSpPr>
+      <p:sp>
+        <p:nvSpPr>
+          <p:cNvPr id="2" name="Freeform 1">
+            <a:extLst>
+              <a:ext uri="{FF2B5EF4-FFF2-40B4-BE49-F238E27FC236}">
+                <a16:creationId xmlns:a16="http://schemas.microsoft.com/office/drawing/2014/main" id="{1BBA6817-DCFA-9441-B4AF-4CE4F935BAC3}"/>
+              </a:ext>
+            </a:extLst>
+          </p:cNvPr>
+          <p:cNvSpPr/>
+          <p:nvPr/>
+        </p:nvSpPr>
+        <p:spPr>
+          <a:xfrm>
+            <a:off x="1460310" y="2047164"/>
+            <a:ext cx="3930556" cy="3807726"/>
+          </a:xfrm>
+          <a:custGeom>
+            <a:avLst/>
+            <a:gdLst>
+              <a:gd name="connsiteX0" fmla="*/ 0 w 3930556"/>
+              <a:gd name="connsiteY0" fmla="*/ 1965278 h 3807726"/>
+              <a:gd name="connsiteX1" fmla="*/ 0 w 3930556"/>
+              <a:gd name="connsiteY1" fmla="*/ 1965278 h 3807726"/>
+              <a:gd name="connsiteX2" fmla="*/ 3739487 w 3930556"/>
+              <a:gd name="connsiteY2" fmla="*/ 559558 h 3807726"/>
+              <a:gd name="connsiteX3" fmla="*/ 1392072 w 3930556"/>
+              <a:gd name="connsiteY3" fmla="*/ 3807726 h 3807726"/>
+              <a:gd name="connsiteX4" fmla="*/ 1310186 w 3930556"/>
+              <a:gd name="connsiteY4" fmla="*/ 0 h 3807726"/>
+              <a:gd name="connsiteX5" fmla="*/ 3930556 w 3930556"/>
+              <a:gd name="connsiteY5" fmla="*/ 3029803 h 3807726"/>
+              <a:gd name="connsiteX6" fmla="*/ 0 w 3930556"/>
+              <a:gd name="connsiteY6" fmla="*/ 1965278 h 3807726"/>
+            </a:gdLst>
+            <a:ahLst/>
+            <a:cxnLst>
+              <a:cxn ang="0">
+                <a:pos x="connsiteX0" y="connsiteY0"/>
+              </a:cxn>
+              <a:cxn ang="0">
+                <a:pos x="connsiteX1" y="connsiteY1"/>
+              </a:cxn>
+              <a:cxn ang="0">
+                <a:pos x="connsiteX2" y="connsiteY2"/>
+              </a:cxn>
+              <a:cxn ang="0">
+                <a:pos x="connsiteX3" y="connsiteY3"/>
+              </a:cxn>
+              <a:cxn ang="0">
+                <a:pos x="connsiteX4" y="connsiteY4"/>
+              </a:cxn>
+              <a:cxn ang="0">
+                <a:pos x="connsiteX5" y="connsiteY5"/>
+              </a:cxn>
+              <a:cxn ang="0">
+                <a:pos x="connsiteX6" y="connsiteY6"/>
+              </a:cxn>
+            </a:cxnLst>
+            <a:rect l="l" t="t" r="r" b="b"/>
+            <a:pathLst>
+              <a:path w="3930556" h="3807726">
+                <a:moveTo>
+                  <a:pt x="0" y="1965278"/>
+                </a:moveTo>
+                <a:lnTo>
+                  <a:pt x="0" y="1965278"/>
+                </a:lnTo>
+                <a:lnTo>
+                  <a:pt x="3739487" y="559558"/>
+                </a:lnTo>
+                <a:lnTo>
+                  <a:pt x="1392072" y="3807726"/>
+                </a:lnTo>
+                <a:lnTo>
+                  <a:pt x="1310186" y="0"/>
+                </a:lnTo>
+                <a:lnTo>
+                  <a:pt x="3930556" y="3029803"/>
+                </a:lnTo>
+                <a:lnTo>
+                  <a:pt x="0" y="1965278"/>
+                </a:lnTo>
+                <a:close/>
+              </a:path>
+            </a:pathLst>
+          </a:custGeom>
+        </p:spPr>
+        <p:style>
+          <a:lnRef idx="2">
+            <a:schemeClr val="accent1">
+              <a:shade val="50000"/>
+            </a:schemeClr>
+          </a:lnRef>
+          <a:fillRef idx="1">
+            <a:schemeClr val="accent1"/>
+          </a:fillRef>
+          <a:effectRef idx="0">
+            <a:schemeClr val="accent1"/>
+          </a:effectRef>
+          <a:fontRef idx="minor">
+            <a:schemeClr val="lt1"/>
+          </a:fontRef>
+        </p:style>
+        <p:txBody>
+          <a:bodyPr rtlCol="0" anchor="ctr"/>
+          <a:lstStyle/>
+          <a:p>
+            <a:pPr algn="ctr"/>
+            <a:endParaRPr lang="en-US" dirty="0"/>
+          </a:p>
+        </p:txBody>
+      </p:sp>
+      <p:sp>
+        <p:nvSpPr>
+          <p:cNvPr id="3" name="Oval 2">
+            <a:extLst>
+              <a:ext uri="{FF2B5EF4-FFF2-40B4-BE49-F238E27FC236}">
+                <a16:creationId xmlns:a16="http://schemas.microsoft.com/office/drawing/2014/main" id="{2546F88C-EDB0-9947-9BA7-B510700541BF}"/>
+              </a:ext>
+            </a:extLst>
+          </p:cNvPr>
+          <p:cNvSpPr/>
+          <p:nvPr/>
+        </p:nvSpPr>
+        <p:spPr>
+          <a:xfrm>
+            <a:off x="3425588" y="3825131"/>
+            <a:ext cx="125896" cy="125896"/>
+          </a:xfrm>
+          <a:prstGeom prst="ellipse">
+            <a:avLst/>
+          </a:prstGeom>
+          <a:solidFill>
+            <a:srgbClr val="FF0000"/>
+          </a:solidFill>
+          <a:ln>
+            <a:solidFill>
+              <a:srgbClr val="FF0000"/>
+            </a:solidFill>
+          </a:ln>
+        </p:spPr>
+        <p:style>
+          <a:lnRef idx="2">
+            <a:schemeClr val="dk1">
+              <a:shade val="50000"/>
+            </a:schemeClr>
+          </a:lnRef>
+          <a:fillRef idx="1">
+            <a:schemeClr val="dk1"/>
+          </a:fillRef>
+          <a:effectRef idx="0">
+            <a:schemeClr val="dk1"/>
+          </a:effectRef>
+          <a:fontRef idx="minor">
+            <a:schemeClr val="lt1"/>
+          </a:fontRef>
+        </p:style>
+        <p:txBody>
+          <a:bodyPr rtlCol="0" anchor="ctr"/>
+          <a:lstStyle/>
+          <a:p>
+            <a:pPr algn="ctr"/>
+            <a:endParaRPr lang="en-US" sz="1400"/>
+          </a:p>
+        </p:txBody>
+      </p:sp>
+      <mc:AlternateContent xmlns:mc="http://schemas.openxmlformats.org/markup-compatibility/2006">
+        <mc:Choice xmlns:a14="http://schemas.microsoft.com/office/drawing/2010/main" Requires="a14">
+          <p:sp>
+            <p:nvSpPr>
+              <p:cNvPr id="4" name="TextBox 3">
+                <a:extLst>
+                  <a:ext uri="{FF2B5EF4-FFF2-40B4-BE49-F238E27FC236}">
+                    <a16:creationId xmlns:a16="http://schemas.microsoft.com/office/drawing/2014/main" id="{0C2F4B5A-DC4F-9149-8921-A2D7A32CC614}"/>
+                  </a:ext>
+                </a:extLst>
+              </p:cNvPr>
+              <p:cNvSpPr txBox="1"/>
+              <p:nvPr/>
+            </p:nvSpPr>
+            <p:spPr>
+              <a:xfrm>
+                <a:off x="3199270" y="3900468"/>
+                <a:ext cx="209480" cy="215444"/>
+              </a:xfrm>
+              <a:prstGeom prst="rect">
+                <a:avLst/>
+              </a:prstGeom>
+              <a:noFill/>
+            </p:spPr>
+            <p:txBody>
+              <a:bodyPr wrap="none" lIns="0" tIns="0" rIns="0" bIns="0" rtlCol="0">
+                <a:spAutoFit/>
+              </a:bodyPr>
+              <a:lstStyle/>
+              <a:p>
+                <a14:m>
+                  <m:oMathPara xmlns:m="http://schemas.openxmlformats.org/officeDocument/2006/math">
+                    <m:oMathParaPr>
+                      <m:jc m:val="centerGroup"/>
+                    </m:oMathParaPr>
+                    <m:oMath xmlns:m="http://schemas.openxmlformats.org/officeDocument/2006/math">
+                      <m:sSub>
+                        <m:sSubPr>
+                          <m:ctrlPr>
+                            <a:rPr lang="en-US" sz="1400" b="0" i="1" smtClean="0">
+                              <a:solidFill>
+                                <a:srgbClr val="FF0000"/>
+                              </a:solidFill>
+                              <a:latin typeface="Cambria Math" panose="02040503050406030204" pitchFamily="18" charset="0"/>
+                            </a:rPr>
+                          </m:ctrlPr>
+                        </m:sSubPr>
+                        <m:e>
+                          <m:r>
+                            <a:rPr lang="en-US" sz="1400" b="0" i="1" smtClean="0">
+                              <a:solidFill>
+                                <a:srgbClr val="FF0000"/>
+                              </a:solidFill>
+                              <a:latin typeface="Cambria Math" panose="02040503050406030204" pitchFamily="18" charset="0"/>
+                            </a:rPr>
+                            <m:t>𝐶</m:t>
+                          </m:r>
+                        </m:e>
+                        <m:sub>
+                          <m:r>
+                            <a:rPr lang="en-US" sz="1400" b="0" i="1" smtClean="0">
+                              <a:solidFill>
+                                <a:srgbClr val="FF0000"/>
+                              </a:solidFill>
+                              <a:latin typeface="Cambria Math" panose="02040503050406030204" pitchFamily="18" charset="0"/>
+                            </a:rPr>
+                            <m:t>𝐼</m:t>
+                          </m:r>
+                        </m:sub>
+                      </m:sSub>
+                    </m:oMath>
+                  </m:oMathPara>
+                </a14:m>
+                <a:endParaRPr lang="en-US" sz="1400" dirty="0">
+                  <a:solidFill>
+                    <a:srgbClr val="FF0000"/>
+                  </a:solidFill>
+                </a:endParaRPr>
+              </a:p>
+            </p:txBody>
+          </p:sp>
+        </mc:Choice>
+        <mc:Fallback>
+          <p:sp>
+            <p:nvSpPr>
+              <p:cNvPr id="4" name="TextBox 3">
+                <a:extLst>
+                  <a:ext uri="{FF2B5EF4-FFF2-40B4-BE49-F238E27FC236}">
+                    <a16:creationId xmlns:a16="http://schemas.microsoft.com/office/drawing/2014/main" id="{0C2F4B5A-DC4F-9149-8921-A2D7A32CC614}"/>
+                  </a:ext>
+                </a:extLst>
+              </p:cNvPr>
+              <p:cNvSpPr txBox="1">
+                <a:spLocks noRot="1" noChangeAspect="1" noMove="1" noResize="1" noEditPoints="1" noAdjustHandles="1" noChangeArrowheads="1" noChangeShapeType="1" noTextEdit="1"/>
+              </p:cNvSpPr>
+              <p:nvPr/>
+            </p:nvSpPr>
+            <p:spPr>
+              <a:xfrm>
+                <a:off x="3199270" y="3900468"/>
+                <a:ext cx="209480" cy="215444"/>
+              </a:xfrm>
+              <a:prstGeom prst="rect">
+                <a:avLst/>
+              </a:prstGeom>
+              <a:blipFill>
+                <a:blip r:embed="rId2"/>
+                <a:stretch>
+                  <a:fillRect l="-18750" b="-16667"/>
+                </a:stretch>
+              </a:blipFill>
+            </p:spPr>
+            <p:txBody>
+              <a:bodyPr/>
+              <a:lstStyle/>
+              <a:p>
+                <a:r>
+                  <a:rPr lang="en-US">
+                    <a:noFill/>
+                  </a:rPr>
+                  <a:t> </a:t>
+                </a:r>
+              </a:p>
+            </p:txBody>
+          </p:sp>
+        </mc:Fallback>
+      </mc:AlternateContent>
+      <p:sp>
+        <p:nvSpPr>
+          <p:cNvPr id="5" name="Oval 4">
+            <a:extLst>
+              <a:ext uri="{FF2B5EF4-FFF2-40B4-BE49-F238E27FC236}">
+                <a16:creationId xmlns:a16="http://schemas.microsoft.com/office/drawing/2014/main" id="{FA971261-3B9B-FB46-8549-C71D0176BB67}"/>
+              </a:ext>
+            </a:extLst>
+          </p:cNvPr>
+          <p:cNvSpPr/>
+          <p:nvPr/>
+        </p:nvSpPr>
+        <p:spPr>
+          <a:xfrm>
+            <a:off x="2277611" y="3875077"/>
+            <a:ext cx="125896" cy="125896"/>
+          </a:xfrm>
+          <a:prstGeom prst="ellipse">
+            <a:avLst/>
+          </a:prstGeom>
+          <a:solidFill>
+            <a:srgbClr val="FF0000"/>
+          </a:solidFill>
+          <a:ln>
+            <a:solidFill>
+              <a:srgbClr val="FF0000"/>
+            </a:solidFill>
+          </a:ln>
+        </p:spPr>
+        <p:style>
+          <a:lnRef idx="2">
+            <a:schemeClr val="dk1">
+              <a:shade val="50000"/>
+            </a:schemeClr>
+          </a:lnRef>
+          <a:fillRef idx="1">
+            <a:schemeClr val="dk1"/>
+          </a:fillRef>
+          <a:effectRef idx="0">
+            <a:schemeClr val="dk1"/>
+          </a:effectRef>
+          <a:fontRef idx="minor">
+            <a:schemeClr val="lt1"/>
+          </a:fontRef>
+        </p:style>
+        <p:txBody>
+          <a:bodyPr rtlCol="0" anchor="ctr"/>
+          <a:lstStyle/>
+          <a:p>
+            <a:pPr algn="ctr"/>
+            <a:endParaRPr lang="en-US" sz="1400"/>
+          </a:p>
+        </p:txBody>
+      </p:sp>
+      <mc:AlternateContent xmlns:mc="http://schemas.openxmlformats.org/markup-compatibility/2006">
+        <mc:Choice xmlns:a14="http://schemas.microsoft.com/office/drawing/2010/main" Requires="a14">
+          <p:sp>
+            <p:nvSpPr>
+              <p:cNvPr id="6" name="TextBox 5">
+                <a:extLst>
+                  <a:ext uri="{FF2B5EF4-FFF2-40B4-BE49-F238E27FC236}">
+                    <a16:creationId xmlns:a16="http://schemas.microsoft.com/office/drawing/2014/main" id="{51E8065F-5351-934F-BB4E-131D86E0BD2B}"/>
+                  </a:ext>
+                </a:extLst>
+              </p:cNvPr>
+              <p:cNvSpPr txBox="1"/>
+              <p:nvPr/>
+            </p:nvSpPr>
+            <p:spPr>
+              <a:xfrm>
+                <a:off x="1906212" y="3856382"/>
+                <a:ext cx="280653" cy="215444"/>
+              </a:xfrm>
+              <a:prstGeom prst="rect">
+                <a:avLst/>
+              </a:prstGeom>
+              <a:noFill/>
+            </p:spPr>
+            <p:txBody>
+              <a:bodyPr wrap="none" lIns="0" tIns="0" rIns="0" bIns="0" rtlCol="0">
+                <a:spAutoFit/>
+              </a:bodyPr>
+              <a:lstStyle/>
+              <a:p>
+                <a14:m>
+                  <m:oMathPara xmlns:m="http://schemas.openxmlformats.org/officeDocument/2006/math">
+                    <m:oMathParaPr>
+                      <m:jc m:val="centerGroup"/>
+                    </m:oMathParaPr>
+                    <m:oMath xmlns:m="http://schemas.openxmlformats.org/officeDocument/2006/math">
+                      <m:sSub>
+                        <m:sSubPr>
+                          <m:ctrlPr>
+                            <a:rPr lang="en-US" sz="1400" b="0" i="1" smtClean="0">
+                              <a:solidFill>
+                                <a:srgbClr val="FF0000"/>
+                              </a:solidFill>
+                              <a:latin typeface="Cambria Math" panose="02040503050406030204" pitchFamily="18" charset="0"/>
+                            </a:rPr>
+                          </m:ctrlPr>
+                        </m:sSubPr>
+                        <m:e>
+                          <m:r>
+                            <a:rPr lang="en-US" sz="1400" b="0" i="1" smtClean="0">
+                              <a:solidFill>
+                                <a:srgbClr val="FF0000"/>
+                              </a:solidFill>
+                              <a:latin typeface="Cambria Math" panose="02040503050406030204" pitchFamily="18" charset="0"/>
+                            </a:rPr>
+                            <m:t>𝐶</m:t>
+                          </m:r>
+                        </m:e>
+                        <m:sub>
+                          <m:r>
+                            <a:rPr lang="en-US" sz="1400" b="0" i="1" smtClean="0">
+                              <a:solidFill>
+                                <a:srgbClr val="FF0000"/>
+                              </a:solidFill>
+                              <a:latin typeface="Cambria Math" panose="02040503050406030204" pitchFamily="18" charset="0"/>
+                            </a:rPr>
+                            <m:t>𝐼</m:t>
+                          </m:r>
+                          <m:r>
+                            <a:rPr lang="en-US" sz="1400" b="0" i="1" smtClean="0">
+                              <a:solidFill>
+                                <a:srgbClr val="FF0000"/>
+                              </a:solidFill>
+                              <a:latin typeface="Cambria Math" panose="02040503050406030204" pitchFamily="18" charset="0"/>
+                            </a:rPr>
+                            <m:t>1</m:t>
+                          </m:r>
+                        </m:sub>
+                      </m:sSub>
+                    </m:oMath>
+                  </m:oMathPara>
+                </a14:m>
+                <a:endParaRPr lang="en-US" sz="1400" dirty="0">
+                  <a:solidFill>
+                    <a:srgbClr val="FF0000"/>
+                  </a:solidFill>
+                </a:endParaRPr>
+              </a:p>
+            </p:txBody>
+          </p:sp>
+        </mc:Choice>
+        <mc:Fallback>
+          <p:sp>
+            <p:nvSpPr>
+              <p:cNvPr id="6" name="TextBox 5">
+                <a:extLst>
+                  <a:ext uri="{FF2B5EF4-FFF2-40B4-BE49-F238E27FC236}">
+                    <a16:creationId xmlns:a16="http://schemas.microsoft.com/office/drawing/2014/main" id="{51E8065F-5351-934F-BB4E-131D86E0BD2B}"/>
+                  </a:ext>
+                </a:extLst>
+              </p:cNvPr>
+              <p:cNvSpPr txBox="1">
+                <a:spLocks noRot="1" noChangeAspect="1" noMove="1" noResize="1" noEditPoints="1" noAdjustHandles="1" noChangeArrowheads="1" noChangeShapeType="1" noTextEdit="1"/>
+              </p:cNvSpPr>
+              <p:nvPr/>
+            </p:nvSpPr>
+            <p:spPr>
+              <a:xfrm>
+                <a:off x="1906212" y="3856382"/>
+                <a:ext cx="280653" cy="215444"/>
+              </a:xfrm>
+              <a:prstGeom prst="rect">
+                <a:avLst/>
+              </a:prstGeom>
+              <a:blipFill>
+                <a:blip r:embed="rId3"/>
+                <a:stretch>
+                  <a:fillRect l="-8696" b="-11111"/>
+                </a:stretch>
+              </a:blipFill>
+            </p:spPr>
+            <p:txBody>
+              <a:bodyPr/>
+              <a:lstStyle/>
+              <a:p>
+                <a:r>
+                  <a:rPr lang="en-US">
+                    <a:noFill/>
+                  </a:rPr>
+                  <a:t> </a:t>
+                </a:r>
+              </a:p>
+            </p:txBody>
+          </p:sp>
+        </mc:Fallback>
+      </mc:AlternateContent>
+      <p:sp>
+        <p:nvSpPr>
+          <p:cNvPr id="7" name="Oval 6">
+            <a:extLst>
+              <a:ext uri="{FF2B5EF4-FFF2-40B4-BE49-F238E27FC236}">
+                <a16:creationId xmlns:a16="http://schemas.microsoft.com/office/drawing/2014/main" id="{158941CB-716F-3849-8EFE-9624BD8D909C}"/>
+              </a:ext>
+            </a:extLst>
+          </p:cNvPr>
+          <p:cNvSpPr/>
+          <p:nvPr/>
+        </p:nvSpPr>
+        <p:spPr>
+          <a:xfrm>
+            <a:off x="3026358" y="2801651"/>
+            <a:ext cx="125896" cy="125896"/>
+          </a:xfrm>
+          <a:prstGeom prst="ellipse">
+            <a:avLst/>
+          </a:prstGeom>
+          <a:solidFill>
+            <a:srgbClr val="FF0000"/>
+          </a:solidFill>
+          <a:ln>
+            <a:solidFill>
+              <a:srgbClr val="FF0000"/>
+            </a:solidFill>
+          </a:ln>
+        </p:spPr>
+        <p:style>
+          <a:lnRef idx="2">
+            <a:schemeClr val="dk1">
+              <a:shade val="50000"/>
+            </a:schemeClr>
+          </a:lnRef>
+          <a:fillRef idx="1">
+            <a:schemeClr val="dk1"/>
+          </a:fillRef>
+          <a:effectRef idx="0">
+            <a:schemeClr val="dk1"/>
+          </a:effectRef>
+          <a:fontRef idx="minor">
+            <a:schemeClr val="lt1"/>
+          </a:fontRef>
+        </p:style>
+        <p:txBody>
+          <a:bodyPr rtlCol="0" anchor="ctr"/>
+          <a:lstStyle/>
+          <a:p>
+            <a:pPr algn="ctr"/>
+            <a:endParaRPr lang="en-US" sz="1400"/>
+          </a:p>
+        </p:txBody>
+      </p:sp>
+      <mc:AlternateContent xmlns:mc="http://schemas.openxmlformats.org/markup-compatibility/2006">
+        <mc:Choice xmlns:a14="http://schemas.microsoft.com/office/drawing/2010/main" Requires="a14">
+          <p:sp>
+            <p:nvSpPr>
+              <p:cNvPr id="8" name="TextBox 7">
+                <a:extLst>
+                  <a:ext uri="{FF2B5EF4-FFF2-40B4-BE49-F238E27FC236}">
+                    <a16:creationId xmlns:a16="http://schemas.microsoft.com/office/drawing/2014/main" id="{67761A88-5EF4-C349-8E96-93DE16FDA88F}"/>
+                  </a:ext>
+                </a:extLst>
+              </p:cNvPr>
+              <p:cNvSpPr txBox="1"/>
+              <p:nvPr/>
+            </p:nvSpPr>
+            <p:spPr>
+              <a:xfrm>
+                <a:off x="3160876" y="2863415"/>
+                <a:ext cx="280653" cy="215444"/>
+              </a:xfrm>
+              <a:prstGeom prst="rect">
+                <a:avLst/>
+              </a:prstGeom>
+              <a:noFill/>
+            </p:spPr>
+            <p:txBody>
+              <a:bodyPr wrap="none" lIns="0" tIns="0" rIns="0" bIns="0" rtlCol="0">
+                <a:spAutoFit/>
+              </a:bodyPr>
+              <a:lstStyle/>
+              <a:p>
+                <a14:m>
+                  <m:oMathPara xmlns:m="http://schemas.openxmlformats.org/officeDocument/2006/math">
+                    <m:oMathParaPr>
+                      <m:jc m:val="centerGroup"/>
+                    </m:oMathParaPr>
+                    <m:oMath xmlns:m="http://schemas.openxmlformats.org/officeDocument/2006/math">
+                      <m:sSub>
+                        <m:sSubPr>
+                          <m:ctrlPr>
+                            <a:rPr lang="en-US" sz="1400" b="0" i="1" smtClean="0">
+                              <a:solidFill>
+                                <a:srgbClr val="FF0000"/>
+                              </a:solidFill>
+                              <a:latin typeface="Cambria Math" panose="02040503050406030204" pitchFamily="18" charset="0"/>
+                            </a:rPr>
+                          </m:ctrlPr>
+                        </m:sSubPr>
+                        <m:e>
+                          <m:r>
+                            <a:rPr lang="en-US" sz="1400" b="0" i="1" smtClean="0">
+                              <a:solidFill>
+                                <a:srgbClr val="FF0000"/>
+                              </a:solidFill>
+                              <a:latin typeface="Cambria Math" panose="02040503050406030204" pitchFamily="18" charset="0"/>
+                            </a:rPr>
+                            <m:t>𝐶</m:t>
+                          </m:r>
+                        </m:e>
+                        <m:sub>
+                          <m:r>
+                            <a:rPr lang="en-US" sz="1400" b="0" i="1" smtClean="0">
+                              <a:solidFill>
+                                <a:srgbClr val="FF0000"/>
+                              </a:solidFill>
+                              <a:latin typeface="Cambria Math" panose="02040503050406030204" pitchFamily="18" charset="0"/>
+                            </a:rPr>
+                            <m:t>𝐼</m:t>
+                          </m:r>
+                          <m:r>
+                            <a:rPr lang="en-US" sz="1400" b="0" i="1" smtClean="0">
+                              <a:solidFill>
+                                <a:srgbClr val="FF0000"/>
+                              </a:solidFill>
+                              <a:latin typeface="Cambria Math" panose="02040503050406030204" pitchFamily="18" charset="0"/>
+                            </a:rPr>
+                            <m:t>2</m:t>
+                          </m:r>
+                        </m:sub>
+                      </m:sSub>
+                    </m:oMath>
+                  </m:oMathPara>
+                </a14:m>
+                <a:endParaRPr lang="en-US" sz="1400" dirty="0">
+                  <a:solidFill>
+                    <a:srgbClr val="FF0000"/>
+                  </a:solidFill>
+                </a:endParaRPr>
+              </a:p>
+            </p:txBody>
+          </p:sp>
+        </mc:Choice>
+        <mc:Fallback>
+          <p:sp>
+            <p:nvSpPr>
+              <p:cNvPr id="8" name="TextBox 7">
+                <a:extLst>
+                  <a:ext uri="{FF2B5EF4-FFF2-40B4-BE49-F238E27FC236}">
+                    <a16:creationId xmlns:a16="http://schemas.microsoft.com/office/drawing/2014/main" id="{67761A88-5EF4-C349-8E96-93DE16FDA88F}"/>
+                  </a:ext>
+                </a:extLst>
+              </p:cNvPr>
+              <p:cNvSpPr txBox="1">
+                <a:spLocks noRot="1" noChangeAspect="1" noMove="1" noResize="1" noEditPoints="1" noAdjustHandles="1" noChangeArrowheads="1" noChangeShapeType="1" noTextEdit="1"/>
+              </p:cNvSpPr>
+              <p:nvPr/>
+            </p:nvSpPr>
+            <p:spPr>
+              <a:xfrm>
+                <a:off x="3160876" y="2863415"/>
+                <a:ext cx="280653" cy="215444"/>
+              </a:xfrm>
+              <a:prstGeom prst="rect">
+                <a:avLst/>
+              </a:prstGeom>
+              <a:blipFill>
+                <a:blip r:embed="rId4"/>
+                <a:stretch>
+                  <a:fillRect l="-8696" b="-16667"/>
+                </a:stretch>
+              </a:blipFill>
+            </p:spPr>
+            <p:txBody>
+              <a:bodyPr/>
+              <a:lstStyle/>
+              <a:p>
+                <a:r>
+                  <a:rPr lang="en-US">
+                    <a:noFill/>
+                  </a:rPr>
+                  <a:t> </a:t>
+                </a:r>
+              </a:p>
+            </p:txBody>
+          </p:sp>
+        </mc:Fallback>
+      </mc:AlternateContent>
+      <p:sp>
+        <p:nvSpPr>
+          <p:cNvPr id="9" name="Oval 8">
+            <a:extLst>
+              <a:ext uri="{FF2B5EF4-FFF2-40B4-BE49-F238E27FC236}">
+                <a16:creationId xmlns:a16="http://schemas.microsoft.com/office/drawing/2014/main" id="{9EA26C38-BDEF-B942-BB9B-15B720CA61DE}"/>
+              </a:ext>
+            </a:extLst>
+          </p:cNvPr>
+          <p:cNvSpPr/>
+          <p:nvPr/>
+        </p:nvSpPr>
+        <p:spPr>
+          <a:xfrm>
+            <a:off x="4351024" y="3152360"/>
+            <a:ext cx="125896" cy="125896"/>
+          </a:xfrm>
+          <a:prstGeom prst="ellipse">
+            <a:avLst/>
+          </a:prstGeom>
+          <a:solidFill>
+            <a:srgbClr val="FF0000"/>
+          </a:solidFill>
+          <a:ln>
+            <a:solidFill>
+              <a:srgbClr val="FF0000"/>
+            </a:solidFill>
+          </a:ln>
+        </p:spPr>
+        <p:style>
+          <a:lnRef idx="2">
+            <a:schemeClr val="dk1">
+              <a:shade val="50000"/>
+            </a:schemeClr>
+          </a:lnRef>
+          <a:fillRef idx="1">
+            <a:schemeClr val="dk1"/>
+          </a:fillRef>
+          <a:effectRef idx="0">
+            <a:schemeClr val="dk1"/>
+          </a:effectRef>
+          <a:fontRef idx="minor">
+            <a:schemeClr val="lt1"/>
+          </a:fontRef>
+        </p:style>
+        <p:txBody>
+          <a:bodyPr rtlCol="0" anchor="ctr"/>
+          <a:lstStyle/>
+          <a:p>
+            <a:pPr algn="ctr"/>
+            <a:endParaRPr lang="en-US" sz="1400"/>
+          </a:p>
+        </p:txBody>
+      </p:sp>
+      <mc:AlternateContent xmlns:mc="http://schemas.openxmlformats.org/markup-compatibility/2006">
+        <mc:Choice xmlns:a14="http://schemas.microsoft.com/office/drawing/2010/main" Requires="a14">
+          <p:sp>
+            <p:nvSpPr>
+              <p:cNvPr id="10" name="TextBox 9">
+                <a:extLst>
+                  <a:ext uri="{FF2B5EF4-FFF2-40B4-BE49-F238E27FC236}">
+                    <a16:creationId xmlns:a16="http://schemas.microsoft.com/office/drawing/2014/main" id="{40685D84-9E41-5148-8BCE-A3DB5768C07C}"/>
+                  </a:ext>
+                </a:extLst>
+              </p:cNvPr>
+              <p:cNvSpPr txBox="1"/>
+              <p:nvPr/>
+            </p:nvSpPr>
+            <p:spPr>
+              <a:xfrm>
+                <a:off x="4413972" y="2863178"/>
+                <a:ext cx="280653" cy="215444"/>
+              </a:xfrm>
+              <a:prstGeom prst="rect">
+                <a:avLst/>
+              </a:prstGeom>
+              <a:noFill/>
+            </p:spPr>
+            <p:txBody>
+              <a:bodyPr wrap="none" lIns="0" tIns="0" rIns="0" bIns="0" rtlCol="0">
+                <a:spAutoFit/>
+              </a:bodyPr>
+              <a:lstStyle/>
+              <a:p>
+                <a14:m>
+                  <m:oMathPara xmlns:m="http://schemas.openxmlformats.org/officeDocument/2006/math">
+                    <m:oMathParaPr>
+                      <m:jc m:val="centerGroup"/>
+                    </m:oMathParaPr>
+                    <m:oMath xmlns:m="http://schemas.openxmlformats.org/officeDocument/2006/math">
+                      <m:sSub>
+                        <m:sSubPr>
+                          <m:ctrlPr>
+                            <a:rPr lang="en-US" sz="1400" b="0" i="1" smtClean="0">
+                              <a:solidFill>
+                                <a:srgbClr val="FF0000"/>
+                              </a:solidFill>
+                              <a:latin typeface="Cambria Math" panose="02040503050406030204" pitchFamily="18" charset="0"/>
+                            </a:rPr>
+                          </m:ctrlPr>
+                        </m:sSubPr>
+                        <m:e>
+                          <m:r>
+                            <a:rPr lang="en-US" sz="1400" b="0" i="1" smtClean="0">
+                              <a:solidFill>
+                                <a:srgbClr val="FF0000"/>
+                              </a:solidFill>
+                              <a:latin typeface="Cambria Math" panose="02040503050406030204" pitchFamily="18" charset="0"/>
+                            </a:rPr>
+                            <m:t>𝐶</m:t>
+                          </m:r>
+                        </m:e>
+                        <m:sub>
+                          <m:r>
+                            <a:rPr lang="en-US" sz="1400" b="0" i="1" smtClean="0">
+                              <a:solidFill>
+                                <a:srgbClr val="FF0000"/>
+                              </a:solidFill>
+                              <a:latin typeface="Cambria Math" panose="02040503050406030204" pitchFamily="18" charset="0"/>
+                            </a:rPr>
+                            <m:t>𝐼</m:t>
+                          </m:r>
+                          <m:r>
+                            <a:rPr lang="en-US" sz="1400" b="0" i="1" smtClean="0">
+                              <a:solidFill>
+                                <a:srgbClr val="FF0000"/>
+                              </a:solidFill>
+                              <a:latin typeface="Cambria Math" panose="02040503050406030204" pitchFamily="18" charset="0"/>
+                            </a:rPr>
+                            <m:t>3</m:t>
+                          </m:r>
+                        </m:sub>
+                      </m:sSub>
+                    </m:oMath>
+                  </m:oMathPara>
+                </a14:m>
+                <a:endParaRPr lang="en-US" sz="1400" dirty="0">
+                  <a:solidFill>
+                    <a:srgbClr val="FF0000"/>
+                  </a:solidFill>
+                </a:endParaRPr>
+              </a:p>
+            </p:txBody>
+          </p:sp>
+        </mc:Choice>
+        <mc:Fallback>
+          <p:sp>
+            <p:nvSpPr>
+              <p:cNvPr id="10" name="TextBox 9">
+                <a:extLst>
+                  <a:ext uri="{FF2B5EF4-FFF2-40B4-BE49-F238E27FC236}">
+                    <a16:creationId xmlns:a16="http://schemas.microsoft.com/office/drawing/2014/main" id="{40685D84-9E41-5148-8BCE-A3DB5768C07C}"/>
+                  </a:ext>
+                </a:extLst>
+              </p:cNvPr>
+              <p:cNvSpPr txBox="1">
+                <a:spLocks noRot="1" noChangeAspect="1" noMove="1" noResize="1" noEditPoints="1" noAdjustHandles="1" noChangeArrowheads="1" noChangeShapeType="1" noTextEdit="1"/>
+              </p:cNvSpPr>
+              <p:nvPr/>
+            </p:nvSpPr>
+            <p:spPr>
+              <a:xfrm>
+                <a:off x="4413972" y="2863178"/>
+                <a:ext cx="280653" cy="215444"/>
+              </a:xfrm>
+              <a:prstGeom prst="rect">
+                <a:avLst/>
+              </a:prstGeom>
+              <a:blipFill>
+                <a:blip r:embed="rId5"/>
+                <a:stretch>
+                  <a:fillRect l="-18182" b="-16667"/>
+                </a:stretch>
+              </a:blipFill>
+            </p:spPr>
+            <p:txBody>
+              <a:bodyPr/>
+              <a:lstStyle/>
+              <a:p>
+                <a:r>
+                  <a:rPr lang="en-US">
+                    <a:noFill/>
+                  </a:rPr>
+                  <a:t> </a:t>
+                </a:r>
+              </a:p>
+            </p:txBody>
+          </p:sp>
+        </mc:Fallback>
+      </mc:AlternateContent>
+      <p:sp>
+        <p:nvSpPr>
+          <p:cNvPr id="11" name="Oval 10">
+            <a:extLst>
+              <a:ext uri="{FF2B5EF4-FFF2-40B4-BE49-F238E27FC236}">
+                <a16:creationId xmlns:a16="http://schemas.microsoft.com/office/drawing/2014/main" id="{920B0A1B-F651-D14F-B82E-4B1462EAEB83}"/>
+              </a:ext>
+            </a:extLst>
+          </p:cNvPr>
+          <p:cNvSpPr/>
+          <p:nvPr/>
+        </p:nvSpPr>
+        <p:spPr>
+          <a:xfrm>
+            <a:off x="4361961" y="4446400"/>
+            <a:ext cx="125896" cy="125896"/>
+          </a:xfrm>
+          <a:prstGeom prst="ellipse">
+            <a:avLst/>
+          </a:prstGeom>
+          <a:solidFill>
+            <a:srgbClr val="FF0000"/>
+          </a:solidFill>
+          <a:ln>
+            <a:solidFill>
+              <a:srgbClr val="FF0000"/>
+            </a:solidFill>
+          </a:ln>
+        </p:spPr>
+        <p:style>
+          <a:lnRef idx="2">
+            <a:schemeClr val="dk1">
+              <a:shade val="50000"/>
+            </a:schemeClr>
+          </a:lnRef>
+          <a:fillRef idx="1">
+            <a:schemeClr val="dk1"/>
+          </a:fillRef>
+          <a:effectRef idx="0">
+            <a:schemeClr val="dk1"/>
+          </a:effectRef>
+          <a:fontRef idx="minor">
+            <a:schemeClr val="lt1"/>
+          </a:fontRef>
+        </p:style>
+        <p:txBody>
+          <a:bodyPr rtlCol="0" anchor="ctr"/>
+          <a:lstStyle/>
+          <a:p>
+            <a:pPr algn="ctr"/>
+            <a:endParaRPr lang="en-US" sz="1400"/>
+          </a:p>
+        </p:txBody>
+      </p:sp>
+      <mc:AlternateContent xmlns:mc="http://schemas.openxmlformats.org/markup-compatibility/2006">
+        <mc:Choice xmlns:a14="http://schemas.microsoft.com/office/drawing/2010/main" Requires="a14">
+          <p:sp>
+            <p:nvSpPr>
+              <p:cNvPr id="12" name="TextBox 11">
+                <a:extLst>
+                  <a:ext uri="{FF2B5EF4-FFF2-40B4-BE49-F238E27FC236}">
+                    <a16:creationId xmlns:a16="http://schemas.microsoft.com/office/drawing/2014/main" id="{46BB3253-1DE0-4C4B-8CAA-320ECF1A503E}"/>
+                  </a:ext>
+                </a:extLst>
+              </p:cNvPr>
+              <p:cNvSpPr txBox="1"/>
+              <p:nvPr/>
+            </p:nvSpPr>
+            <p:spPr>
+              <a:xfrm>
+                <a:off x="4160912" y="4084804"/>
+                <a:ext cx="280653" cy="215444"/>
+              </a:xfrm>
+              <a:prstGeom prst="rect">
+                <a:avLst/>
+              </a:prstGeom>
+              <a:noFill/>
+            </p:spPr>
+            <p:txBody>
+              <a:bodyPr wrap="none" lIns="0" tIns="0" rIns="0" bIns="0" rtlCol="0">
+                <a:spAutoFit/>
+              </a:bodyPr>
+              <a:lstStyle/>
+              <a:p>
+                <a14:m>
+                  <m:oMathPara xmlns:m="http://schemas.openxmlformats.org/officeDocument/2006/math">
+                    <m:oMathParaPr>
+                      <m:jc m:val="centerGroup"/>
+                    </m:oMathParaPr>
+                    <m:oMath xmlns:m="http://schemas.openxmlformats.org/officeDocument/2006/math">
+                      <m:sSub>
+                        <m:sSubPr>
+                          <m:ctrlPr>
+                            <a:rPr lang="en-US" sz="1400" b="0" i="1" smtClean="0">
+                              <a:solidFill>
+                                <a:srgbClr val="FF0000"/>
+                              </a:solidFill>
+                              <a:latin typeface="Cambria Math" panose="02040503050406030204" pitchFamily="18" charset="0"/>
+                            </a:rPr>
+                          </m:ctrlPr>
+                        </m:sSubPr>
+                        <m:e>
+                          <m:r>
+                            <a:rPr lang="en-US" sz="1400" b="0" i="1" smtClean="0">
+                              <a:solidFill>
+                                <a:srgbClr val="FF0000"/>
+                              </a:solidFill>
+                              <a:latin typeface="Cambria Math" panose="02040503050406030204" pitchFamily="18" charset="0"/>
+                            </a:rPr>
+                            <m:t>𝐶</m:t>
+                          </m:r>
+                        </m:e>
+                        <m:sub>
+                          <m:r>
+                            <a:rPr lang="en-US" sz="1400" b="0" i="1" smtClean="0">
+                              <a:solidFill>
+                                <a:srgbClr val="FF0000"/>
+                              </a:solidFill>
+                              <a:latin typeface="Cambria Math" panose="02040503050406030204" pitchFamily="18" charset="0"/>
+                            </a:rPr>
+                            <m:t>𝐼</m:t>
+                          </m:r>
+                          <m:r>
+                            <a:rPr lang="en-US" sz="1400" b="0" i="1" smtClean="0">
+                              <a:solidFill>
+                                <a:srgbClr val="FF0000"/>
+                              </a:solidFill>
+                              <a:latin typeface="Cambria Math" panose="02040503050406030204" pitchFamily="18" charset="0"/>
+                            </a:rPr>
+                            <m:t>4</m:t>
+                          </m:r>
+                        </m:sub>
+                      </m:sSub>
+                    </m:oMath>
+                  </m:oMathPara>
+                </a14:m>
+                <a:endParaRPr lang="en-US" sz="1400" dirty="0">
+                  <a:solidFill>
+                    <a:srgbClr val="FF0000"/>
+                  </a:solidFill>
+                </a:endParaRPr>
+              </a:p>
+            </p:txBody>
+          </p:sp>
+        </mc:Choice>
+        <mc:Fallback>
+          <p:sp>
+            <p:nvSpPr>
+              <p:cNvPr id="12" name="TextBox 11">
+                <a:extLst>
+                  <a:ext uri="{FF2B5EF4-FFF2-40B4-BE49-F238E27FC236}">
+                    <a16:creationId xmlns:a16="http://schemas.microsoft.com/office/drawing/2014/main" id="{46BB3253-1DE0-4C4B-8CAA-320ECF1A503E}"/>
+                  </a:ext>
+                </a:extLst>
+              </p:cNvPr>
+              <p:cNvSpPr txBox="1">
+                <a:spLocks noRot="1" noChangeAspect="1" noMove="1" noResize="1" noEditPoints="1" noAdjustHandles="1" noChangeArrowheads="1" noChangeShapeType="1" noTextEdit="1"/>
+              </p:cNvSpPr>
+              <p:nvPr/>
+            </p:nvSpPr>
+            <p:spPr>
+              <a:xfrm>
+                <a:off x="4160912" y="4084804"/>
+                <a:ext cx="280653" cy="215444"/>
+              </a:xfrm>
+              <a:prstGeom prst="rect">
+                <a:avLst/>
+              </a:prstGeom>
+              <a:blipFill>
+                <a:blip r:embed="rId6"/>
+                <a:stretch>
+                  <a:fillRect l="-13043" b="-11111"/>
+                </a:stretch>
+              </a:blipFill>
+            </p:spPr>
+            <p:txBody>
+              <a:bodyPr/>
+              <a:lstStyle/>
+              <a:p>
+                <a:r>
+                  <a:rPr lang="en-US">
+                    <a:noFill/>
+                  </a:rPr>
+                  <a:t> </a:t>
+                </a:r>
+              </a:p>
+            </p:txBody>
+          </p:sp>
+        </mc:Fallback>
+      </mc:AlternateContent>
+      <p:sp>
+        <p:nvSpPr>
+          <p:cNvPr id="13" name="Oval 12">
+            <a:extLst>
+              <a:ext uri="{FF2B5EF4-FFF2-40B4-BE49-F238E27FC236}">
+                <a16:creationId xmlns:a16="http://schemas.microsoft.com/office/drawing/2014/main" id="{5F096DE7-A3AA-3747-9FA1-7BC647E236EF}"/>
+              </a:ext>
+            </a:extLst>
+          </p:cNvPr>
+          <p:cNvSpPr/>
+          <p:nvPr/>
+        </p:nvSpPr>
+        <p:spPr>
+          <a:xfrm>
+            <a:off x="3060438" y="4910226"/>
+            <a:ext cx="125896" cy="125896"/>
+          </a:xfrm>
+          <a:prstGeom prst="ellipse">
+            <a:avLst/>
+          </a:prstGeom>
+          <a:solidFill>
+            <a:srgbClr val="FF0000"/>
+          </a:solidFill>
+          <a:ln>
+            <a:solidFill>
+              <a:srgbClr val="FF0000"/>
+            </a:solidFill>
+          </a:ln>
+        </p:spPr>
+        <p:style>
+          <a:lnRef idx="2">
+            <a:schemeClr val="dk1">
+              <a:shade val="50000"/>
+            </a:schemeClr>
+          </a:lnRef>
+          <a:fillRef idx="1">
+            <a:schemeClr val="dk1"/>
+          </a:fillRef>
+          <a:effectRef idx="0">
+            <a:schemeClr val="dk1"/>
+          </a:effectRef>
+          <a:fontRef idx="minor">
+            <a:schemeClr val="lt1"/>
+          </a:fontRef>
+        </p:style>
+        <p:txBody>
+          <a:bodyPr rtlCol="0" anchor="ctr"/>
+          <a:lstStyle/>
+          <a:p>
+            <a:pPr algn="ctr"/>
+            <a:endParaRPr lang="en-US" sz="1400"/>
+          </a:p>
+        </p:txBody>
+      </p:sp>
+      <mc:AlternateContent xmlns:mc="http://schemas.openxmlformats.org/markup-compatibility/2006">
+        <mc:Choice xmlns:a14="http://schemas.microsoft.com/office/drawing/2010/main" Requires="a14">
+          <p:sp>
+            <p:nvSpPr>
+              <p:cNvPr id="14" name="TextBox 13">
+                <a:extLst>
+                  <a:ext uri="{FF2B5EF4-FFF2-40B4-BE49-F238E27FC236}">
+                    <a16:creationId xmlns:a16="http://schemas.microsoft.com/office/drawing/2014/main" id="{3F70A7CA-9731-D045-9114-719255DA8912}"/>
+                  </a:ext>
+                </a:extLst>
+              </p:cNvPr>
+              <p:cNvSpPr txBox="1"/>
+              <p:nvPr/>
+            </p:nvSpPr>
+            <p:spPr>
+              <a:xfrm>
+                <a:off x="2859389" y="5020311"/>
+                <a:ext cx="280653" cy="215444"/>
+              </a:xfrm>
+              <a:prstGeom prst="rect">
+                <a:avLst/>
+              </a:prstGeom>
+              <a:noFill/>
+            </p:spPr>
+            <p:txBody>
+              <a:bodyPr wrap="none" lIns="0" tIns="0" rIns="0" bIns="0" rtlCol="0">
+                <a:spAutoFit/>
+              </a:bodyPr>
+              <a:lstStyle/>
+              <a:p>
+                <a14:m>
+                  <m:oMathPara xmlns:m="http://schemas.openxmlformats.org/officeDocument/2006/math">
+                    <m:oMathParaPr>
+                      <m:jc m:val="centerGroup"/>
+                    </m:oMathParaPr>
+                    <m:oMath xmlns:m="http://schemas.openxmlformats.org/officeDocument/2006/math">
+                      <m:sSub>
+                        <m:sSubPr>
+                          <m:ctrlPr>
+                            <a:rPr lang="en-US" sz="1400" b="0" i="1" smtClean="0">
+                              <a:solidFill>
+                                <a:srgbClr val="FF0000"/>
+                              </a:solidFill>
+                              <a:latin typeface="Cambria Math" panose="02040503050406030204" pitchFamily="18" charset="0"/>
+                            </a:rPr>
+                          </m:ctrlPr>
+                        </m:sSubPr>
+                        <m:e>
+                          <m:r>
+                            <a:rPr lang="en-US" sz="1400" b="0" i="1" smtClean="0">
+                              <a:solidFill>
+                                <a:srgbClr val="FF0000"/>
+                              </a:solidFill>
+                              <a:latin typeface="Cambria Math" panose="02040503050406030204" pitchFamily="18" charset="0"/>
+                            </a:rPr>
+                            <m:t>𝐶</m:t>
+                          </m:r>
+                        </m:e>
+                        <m:sub>
+                          <m:r>
+                            <a:rPr lang="en-US" sz="1400" b="0" i="1" smtClean="0">
+                              <a:solidFill>
+                                <a:srgbClr val="FF0000"/>
+                              </a:solidFill>
+                              <a:latin typeface="Cambria Math" panose="02040503050406030204" pitchFamily="18" charset="0"/>
+                            </a:rPr>
+                            <m:t>𝐼</m:t>
+                          </m:r>
+                          <m:r>
+                            <a:rPr lang="en-US" sz="1400" b="0" i="1" smtClean="0">
+                              <a:solidFill>
+                                <a:srgbClr val="FF0000"/>
+                              </a:solidFill>
+                              <a:latin typeface="Cambria Math" panose="02040503050406030204" pitchFamily="18" charset="0"/>
+                            </a:rPr>
+                            <m:t>5</m:t>
+                          </m:r>
+                        </m:sub>
+                      </m:sSub>
+                    </m:oMath>
+                  </m:oMathPara>
+                </a14:m>
+                <a:endParaRPr lang="en-US" sz="1400" dirty="0">
+                  <a:solidFill>
+                    <a:srgbClr val="FF0000"/>
+                  </a:solidFill>
+                </a:endParaRPr>
+              </a:p>
+            </p:txBody>
+          </p:sp>
+        </mc:Choice>
+        <mc:Fallback>
+          <p:sp>
+            <p:nvSpPr>
+              <p:cNvPr id="14" name="TextBox 13">
+                <a:extLst>
+                  <a:ext uri="{FF2B5EF4-FFF2-40B4-BE49-F238E27FC236}">
+                    <a16:creationId xmlns:a16="http://schemas.microsoft.com/office/drawing/2014/main" id="{3F70A7CA-9731-D045-9114-719255DA8912}"/>
+                  </a:ext>
+                </a:extLst>
+              </p:cNvPr>
+              <p:cNvSpPr txBox="1">
+                <a:spLocks noRot="1" noChangeAspect="1" noMove="1" noResize="1" noEditPoints="1" noAdjustHandles="1" noChangeArrowheads="1" noChangeShapeType="1" noTextEdit="1"/>
+              </p:cNvSpPr>
+              <p:nvPr/>
+            </p:nvSpPr>
+            <p:spPr>
+              <a:xfrm>
+                <a:off x="2859389" y="5020311"/>
+                <a:ext cx="280653" cy="215444"/>
+              </a:xfrm>
+              <a:prstGeom prst="rect">
+                <a:avLst/>
+              </a:prstGeom>
+              <a:blipFill>
+                <a:blip r:embed="rId7"/>
+                <a:stretch>
+                  <a:fillRect l="-8696" r="-4348" b="-16667"/>
+                </a:stretch>
+              </a:blipFill>
+            </p:spPr>
+            <p:txBody>
+              <a:bodyPr/>
+              <a:lstStyle/>
+              <a:p>
+                <a:r>
+                  <a:rPr lang="en-US">
+                    <a:noFill/>
+                  </a:rPr>
+                  <a:t> </a:t>
+                </a:r>
+              </a:p>
+            </p:txBody>
+          </p:sp>
+        </mc:Fallback>
+      </mc:AlternateContent>
+      <p:cxnSp>
+        <p:nvCxnSpPr>
+          <p:cNvPr id="16" name="Straight Arrow Connector 15">
+            <a:extLst>
+              <a:ext uri="{FF2B5EF4-FFF2-40B4-BE49-F238E27FC236}">
+                <a16:creationId xmlns:a16="http://schemas.microsoft.com/office/drawing/2014/main" id="{A84766FA-5ED9-0442-B538-072609720002}"/>
+              </a:ext>
+            </a:extLst>
+          </p:cNvPr>
+          <p:cNvCxnSpPr>
+            <a:cxnSpLocks/>
+            <a:stCxn id="3" idx="7"/>
+            <a:endCxn id="9" idx="3"/>
+          </p:cNvCxnSpPr>
+          <p:nvPr/>
+        </p:nvCxnSpPr>
+        <p:spPr>
+          <a:xfrm flipV="1">
+            <a:off x="3533047" y="3259819"/>
+            <a:ext cx="836414" cy="583749"/>
+          </a:xfrm>
+          <a:prstGeom prst="straightConnector1">
+            <a:avLst/>
+          </a:prstGeom>
+          <a:ln w="28575">
+            <a:tailEnd type="triangle"/>
+          </a:ln>
+        </p:spPr>
+        <p:style>
+          <a:lnRef idx="1">
+            <a:schemeClr val="accent2"/>
+          </a:lnRef>
+          <a:fillRef idx="0">
+            <a:schemeClr val="accent2"/>
+          </a:fillRef>
+          <a:effectRef idx="0">
+            <a:schemeClr val="accent2"/>
+          </a:effectRef>
+          <a:fontRef idx="minor">
+            <a:schemeClr val="tx1"/>
+          </a:fontRef>
+        </p:style>
+      </p:cxnSp>
+      <p:cxnSp>
+        <p:nvCxnSpPr>
+          <p:cNvPr id="18" name="Straight Arrow Connector 17">
+            <a:extLst>
+              <a:ext uri="{FF2B5EF4-FFF2-40B4-BE49-F238E27FC236}">
+                <a16:creationId xmlns:a16="http://schemas.microsoft.com/office/drawing/2014/main" id="{002897DA-DE25-8B4E-9D7B-CA6BEFD69F9C}"/>
+              </a:ext>
+            </a:extLst>
+          </p:cNvPr>
+          <p:cNvCxnSpPr>
+            <a:cxnSpLocks/>
+            <a:stCxn id="3" idx="0"/>
+          </p:cNvCxnSpPr>
+          <p:nvPr/>
+        </p:nvCxnSpPr>
+        <p:spPr>
+          <a:xfrm flipH="1" flipV="1">
+            <a:off x="3122216" y="2927549"/>
+            <a:ext cx="366320" cy="897582"/>
+          </a:xfrm>
+          <a:prstGeom prst="straightConnector1">
+            <a:avLst/>
+          </a:prstGeom>
+          <a:ln w="28575">
+            <a:tailEnd type="triangle"/>
+          </a:ln>
+        </p:spPr>
+        <p:style>
+          <a:lnRef idx="1">
+            <a:schemeClr val="accent2"/>
+          </a:lnRef>
+          <a:fillRef idx="0">
+            <a:schemeClr val="accent2"/>
+          </a:fillRef>
+          <a:effectRef idx="0">
+            <a:schemeClr val="accent2"/>
+          </a:effectRef>
+          <a:fontRef idx="minor">
+            <a:schemeClr val="tx1"/>
+          </a:fontRef>
+        </p:style>
+      </p:cxnSp>
+      <p:cxnSp>
+        <p:nvCxnSpPr>
+          <p:cNvPr id="24" name="Straight Arrow Connector 23">
+            <a:extLst>
+              <a:ext uri="{FF2B5EF4-FFF2-40B4-BE49-F238E27FC236}">
+                <a16:creationId xmlns:a16="http://schemas.microsoft.com/office/drawing/2014/main" id="{DA8F376A-DC43-6B4B-B987-995DB0919770}"/>
+              </a:ext>
+            </a:extLst>
+          </p:cNvPr>
+          <p:cNvCxnSpPr>
+            <a:cxnSpLocks/>
+            <a:stCxn id="3" idx="2"/>
+            <a:endCxn id="5" idx="6"/>
+          </p:cNvCxnSpPr>
+          <p:nvPr/>
+        </p:nvCxnSpPr>
+        <p:spPr>
+          <a:xfrm flipH="1">
+            <a:off x="2403507" y="3888079"/>
+            <a:ext cx="1022081" cy="49946"/>
+          </a:xfrm>
+          <a:prstGeom prst="straightConnector1">
+            <a:avLst/>
+          </a:prstGeom>
+          <a:ln w="28575">
+            <a:tailEnd type="triangle"/>
+          </a:ln>
+        </p:spPr>
+        <p:style>
+          <a:lnRef idx="1">
+            <a:schemeClr val="accent2"/>
+          </a:lnRef>
+          <a:fillRef idx="0">
+            <a:schemeClr val="accent2"/>
+          </a:fillRef>
+          <a:effectRef idx="0">
+            <a:schemeClr val="accent2"/>
+          </a:effectRef>
+          <a:fontRef idx="minor">
+            <a:schemeClr val="tx1"/>
+          </a:fontRef>
+        </p:style>
+      </p:cxnSp>
+      <p:cxnSp>
+        <p:nvCxnSpPr>
+          <p:cNvPr id="27" name="Straight Arrow Connector 26">
+            <a:extLst>
+              <a:ext uri="{FF2B5EF4-FFF2-40B4-BE49-F238E27FC236}">
+                <a16:creationId xmlns:a16="http://schemas.microsoft.com/office/drawing/2014/main" id="{E81CF464-EF7A-1B4F-88E5-FEFA733FB9FA}"/>
+              </a:ext>
+            </a:extLst>
+          </p:cNvPr>
+          <p:cNvCxnSpPr>
+            <a:cxnSpLocks/>
+            <a:stCxn id="3" idx="4"/>
+            <a:endCxn id="13" idx="0"/>
+          </p:cNvCxnSpPr>
+          <p:nvPr/>
+        </p:nvCxnSpPr>
+        <p:spPr>
+          <a:xfrm flipH="1">
+            <a:off x="3123386" y="3951027"/>
+            <a:ext cx="365150" cy="959199"/>
+          </a:xfrm>
+          <a:prstGeom prst="straightConnector1">
+            <a:avLst/>
+          </a:prstGeom>
+          <a:ln w="28575">
+            <a:tailEnd type="triangle"/>
+          </a:ln>
+        </p:spPr>
+        <p:style>
+          <a:lnRef idx="1">
+            <a:schemeClr val="accent2"/>
+          </a:lnRef>
+          <a:fillRef idx="0">
+            <a:schemeClr val="accent2"/>
+          </a:fillRef>
+          <a:effectRef idx="0">
+            <a:schemeClr val="accent2"/>
+          </a:effectRef>
+          <a:fontRef idx="minor">
+            <a:schemeClr val="tx1"/>
+          </a:fontRef>
+        </p:style>
+      </p:cxnSp>
+      <p:cxnSp>
+        <p:nvCxnSpPr>
+          <p:cNvPr id="32" name="Straight Arrow Connector 31">
+            <a:extLst>
+              <a:ext uri="{FF2B5EF4-FFF2-40B4-BE49-F238E27FC236}">
+                <a16:creationId xmlns:a16="http://schemas.microsoft.com/office/drawing/2014/main" id="{D1B47C0E-F781-5344-B123-BB6F74DFF95F}"/>
+              </a:ext>
+            </a:extLst>
+          </p:cNvPr>
+          <p:cNvCxnSpPr>
+            <a:cxnSpLocks/>
+            <a:stCxn id="3" idx="5"/>
+            <a:endCxn id="11" idx="1"/>
+          </p:cNvCxnSpPr>
+          <p:nvPr/>
+        </p:nvCxnSpPr>
+        <p:spPr>
+          <a:xfrm>
+            <a:off x="3533047" y="3932590"/>
+            <a:ext cx="847351" cy="532247"/>
+          </a:xfrm>
+          <a:prstGeom prst="straightConnector1">
+            <a:avLst/>
+          </a:prstGeom>
+          <a:ln w="28575">
+            <a:tailEnd type="triangle"/>
+          </a:ln>
+        </p:spPr>
+        <p:style>
+          <a:lnRef idx="1">
+            <a:schemeClr val="accent2"/>
+          </a:lnRef>
+          <a:fillRef idx="0">
+            <a:schemeClr val="accent2"/>
+          </a:fillRef>
+          <a:effectRef idx="0">
+            <a:schemeClr val="accent2"/>
+          </a:effectRef>
+          <a:fontRef idx="minor">
+            <a:schemeClr val="tx1"/>
+          </a:fontRef>
+        </p:style>
+      </p:cxnSp>
+      <mc:AlternateContent xmlns:mc="http://schemas.openxmlformats.org/markup-compatibility/2006">
+        <mc:Choice xmlns:a14="http://schemas.microsoft.com/office/drawing/2010/main" Requires="a14">
+          <p:sp>
+            <p:nvSpPr>
+              <p:cNvPr id="35" name="TextBox 34">
+                <a:extLst>
+                  <a:ext uri="{FF2B5EF4-FFF2-40B4-BE49-F238E27FC236}">
+                    <a16:creationId xmlns:a16="http://schemas.microsoft.com/office/drawing/2014/main" id="{EC8A29AE-2D0F-2D42-982D-5CDAF057A1F7}"/>
+                  </a:ext>
+                </a:extLst>
+              </p:cNvPr>
+              <p:cNvSpPr txBox="1"/>
+              <p:nvPr/>
+            </p:nvSpPr>
+            <p:spPr>
+              <a:xfrm>
+                <a:off x="2825765" y="3650753"/>
+                <a:ext cx="287963" cy="215444"/>
+              </a:xfrm>
+              <a:prstGeom prst="rect">
+                <a:avLst/>
+              </a:prstGeom>
+              <a:noFill/>
+            </p:spPr>
+            <p:txBody>
+              <a:bodyPr wrap="none" lIns="0" tIns="0" rIns="0" bIns="0" rtlCol="0">
+                <a:spAutoFit/>
+              </a:bodyPr>
+              <a:lstStyle/>
+              <a:p>
+                <a14:m>
+                  <m:oMathPara xmlns:m="http://schemas.openxmlformats.org/officeDocument/2006/math">
+                    <m:oMathParaPr>
+                      <m:jc m:val="centerGroup"/>
+                    </m:oMathParaPr>
+                    <m:oMath xmlns:m="http://schemas.openxmlformats.org/officeDocument/2006/math">
+                      <m:sSub>
+                        <m:sSubPr>
+                          <m:ctrlPr>
+                            <a:rPr lang="en-US" sz="1400" b="0" i="1" smtClean="0">
+                              <a:solidFill>
+                                <a:schemeClr val="accent2"/>
+                              </a:solidFill>
+                              <a:latin typeface="Cambria Math" panose="02040503050406030204" pitchFamily="18" charset="0"/>
+                            </a:rPr>
+                          </m:ctrlPr>
+                        </m:sSubPr>
+                        <m:e>
+                          <m:r>
+                            <a:rPr lang="en-US" sz="1400" b="0" i="1" smtClean="0">
+                              <a:solidFill>
+                                <a:schemeClr val="accent2"/>
+                              </a:solidFill>
+                              <a:latin typeface="Cambria Math" panose="02040503050406030204" pitchFamily="18" charset="0"/>
+                            </a:rPr>
+                            <m:t>𝑑</m:t>
+                          </m:r>
+                        </m:e>
+                        <m:sub>
+                          <m:r>
+                            <a:rPr lang="en-US" sz="1400" b="0" i="1" smtClean="0">
+                              <a:solidFill>
+                                <a:schemeClr val="accent2"/>
+                              </a:solidFill>
+                              <a:latin typeface="Cambria Math" panose="02040503050406030204" pitchFamily="18" charset="0"/>
+                            </a:rPr>
+                            <m:t>𝐼</m:t>
+                          </m:r>
+                          <m:r>
+                            <a:rPr lang="en-US" sz="1400" b="0" i="1" smtClean="0">
+                              <a:solidFill>
+                                <a:schemeClr val="accent2"/>
+                              </a:solidFill>
+                              <a:latin typeface="Cambria Math" panose="02040503050406030204" pitchFamily="18" charset="0"/>
+                            </a:rPr>
+                            <m:t>1</m:t>
+                          </m:r>
+                        </m:sub>
+                      </m:sSub>
+                    </m:oMath>
+                  </m:oMathPara>
+                </a14:m>
+                <a:endParaRPr lang="en-US" sz="1400" dirty="0">
+                  <a:solidFill>
+                    <a:schemeClr val="accent2"/>
+                  </a:solidFill>
+                </a:endParaRPr>
+              </a:p>
+            </p:txBody>
+          </p:sp>
+        </mc:Choice>
+        <mc:Fallback>
+          <p:sp>
+            <p:nvSpPr>
+              <p:cNvPr id="35" name="TextBox 34">
+                <a:extLst>
+                  <a:ext uri="{FF2B5EF4-FFF2-40B4-BE49-F238E27FC236}">
+                    <a16:creationId xmlns:a16="http://schemas.microsoft.com/office/drawing/2014/main" id="{EC8A29AE-2D0F-2D42-982D-5CDAF057A1F7}"/>
+                  </a:ext>
+                </a:extLst>
+              </p:cNvPr>
+              <p:cNvSpPr txBox="1">
+                <a:spLocks noRot="1" noChangeAspect="1" noMove="1" noResize="1" noEditPoints="1" noAdjustHandles="1" noChangeArrowheads="1" noChangeShapeType="1" noTextEdit="1"/>
+              </p:cNvSpPr>
+              <p:nvPr/>
+            </p:nvSpPr>
+            <p:spPr>
+              <a:xfrm>
+                <a:off x="2825765" y="3650753"/>
+                <a:ext cx="287963" cy="215444"/>
+              </a:xfrm>
+              <a:prstGeom prst="rect">
+                <a:avLst/>
+              </a:prstGeom>
+              <a:blipFill>
+                <a:blip r:embed="rId8"/>
+                <a:stretch>
+                  <a:fillRect l="-13043" b="-16667"/>
+                </a:stretch>
+              </a:blipFill>
+            </p:spPr>
+            <p:txBody>
+              <a:bodyPr/>
+              <a:lstStyle/>
+              <a:p>
+                <a:r>
+                  <a:rPr lang="en-US">
+                    <a:noFill/>
+                  </a:rPr>
+                  <a:t> </a:t>
+                </a:r>
+              </a:p>
+            </p:txBody>
+          </p:sp>
+        </mc:Fallback>
+      </mc:AlternateContent>
+      <mc:AlternateContent xmlns:mc="http://schemas.openxmlformats.org/markup-compatibility/2006">
+        <mc:Choice xmlns:a14="http://schemas.microsoft.com/office/drawing/2010/main" Requires="a14">
+          <p:sp>
+            <p:nvSpPr>
+              <p:cNvPr id="36" name="TextBox 35">
+                <a:extLst>
+                  <a:ext uri="{FF2B5EF4-FFF2-40B4-BE49-F238E27FC236}">
+                    <a16:creationId xmlns:a16="http://schemas.microsoft.com/office/drawing/2014/main" id="{553CC22E-2E88-3F41-8E9C-31BC02CADE0D}"/>
+                  </a:ext>
+                </a:extLst>
+              </p:cNvPr>
+              <p:cNvSpPr txBox="1"/>
+              <p:nvPr/>
+            </p:nvSpPr>
+            <p:spPr>
+              <a:xfrm>
+                <a:off x="3329619" y="3282257"/>
+                <a:ext cx="287963" cy="215444"/>
+              </a:xfrm>
+              <a:prstGeom prst="rect">
+                <a:avLst/>
+              </a:prstGeom>
+              <a:noFill/>
+            </p:spPr>
+            <p:txBody>
+              <a:bodyPr wrap="none" lIns="0" tIns="0" rIns="0" bIns="0" rtlCol="0">
+                <a:spAutoFit/>
+              </a:bodyPr>
+              <a:lstStyle/>
+              <a:p>
+                <a14:m>
+                  <m:oMathPara xmlns:m="http://schemas.openxmlformats.org/officeDocument/2006/math">
+                    <m:oMathParaPr>
+                      <m:jc m:val="centerGroup"/>
+                    </m:oMathParaPr>
+                    <m:oMath xmlns:m="http://schemas.openxmlformats.org/officeDocument/2006/math">
+                      <m:sSub>
+                        <m:sSubPr>
+                          <m:ctrlPr>
+                            <a:rPr lang="en-US" sz="1400" b="0" i="1" smtClean="0">
+                              <a:solidFill>
+                                <a:schemeClr val="accent2"/>
+                              </a:solidFill>
+                              <a:latin typeface="Cambria Math" panose="02040503050406030204" pitchFamily="18" charset="0"/>
+                            </a:rPr>
+                          </m:ctrlPr>
+                        </m:sSubPr>
+                        <m:e>
+                          <m:r>
+                            <a:rPr lang="en-US" sz="1400" b="0" i="1" smtClean="0">
+                              <a:solidFill>
+                                <a:schemeClr val="accent2"/>
+                              </a:solidFill>
+                              <a:latin typeface="Cambria Math" panose="02040503050406030204" pitchFamily="18" charset="0"/>
+                            </a:rPr>
+                            <m:t>𝑑</m:t>
+                          </m:r>
+                        </m:e>
+                        <m:sub>
+                          <m:r>
+                            <a:rPr lang="en-US" sz="1400" b="0" i="1" smtClean="0">
+                              <a:solidFill>
+                                <a:schemeClr val="accent2"/>
+                              </a:solidFill>
+                              <a:latin typeface="Cambria Math" panose="02040503050406030204" pitchFamily="18" charset="0"/>
+                            </a:rPr>
+                            <m:t>𝐼</m:t>
+                          </m:r>
+                          <m:r>
+                            <a:rPr lang="en-US" sz="1400" b="0" i="1" smtClean="0">
+                              <a:solidFill>
+                                <a:schemeClr val="accent2"/>
+                              </a:solidFill>
+                              <a:latin typeface="Cambria Math" panose="02040503050406030204" pitchFamily="18" charset="0"/>
+                            </a:rPr>
+                            <m:t>2</m:t>
+                          </m:r>
+                        </m:sub>
+                      </m:sSub>
+                    </m:oMath>
+                  </m:oMathPara>
+                </a14:m>
+                <a:endParaRPr lang="en-US" sz="1400" dirty="0">
+                  <a:solidFill>
+                    <a:schemeClr val="accent2"/>
+                  </a:solidFill>
+                </a:endParaRPr>
+              </a:p>
+            </p:txBody>
+          </p:sp>
+        </mc:Choice>
+        <mc:Fallback>
+          <p:sp>
+            <p:nvSpPr>
+              <p:cNvPr id="36" name="TextBox 35">
+                <a:extLst>
+                  <a:ext uri="{FF2B5EF4-FFF2-40B4-BE49-F238E27FC236}">
+                    <a16:creationId xmlns:a16="http://schemas.microsoft.com/office/drawing/2014/main" id="{553CC22E-2E88-3F41-8E9C-31BC02CADE0D}"/>
+                  </a:ext>
+                </a:extLst>
+              </p:cNvPr>
+              <p:cNvSpPr txBox="1">
+                <a:spLocks noRot="1" noChangeAspect="1" noMove="1" noResize="1" noEditPoints="1" noAdjustHandles="1" noChangeArrowheads="1" noChangeShapeType="1" noTextEdit="1"/>
+              </p:cNvSpPr>
+              <p:nvPr/>
+            </p:nvSpPr>
+            <p:spPr>
+              <a:xfrm>
+                <a:off x="3329619" y="3282257"/>
+                <a:ext cx="287963" cy="215444"/>
+              </a:xfrm>
+              <a:prstGeom prst="rect">
+                <a:avLst/>
+              </a:prstGeom>
+              <a:blipFill>
+                <a:blip r:embed="rId9"/>
+                <a:stretch>
+                  <a:fillRect l="-12500" b="-16667"/>
+                </a:stretch>
+              </a:blipFill>
+            </p:spPr>
+            <p:txBody>
+              <a:bodyPr/>
+              <a:lstStyle/>
+              <a:p>
+                <a:r>
+                  <a:rPr lang="en-US">
+                    <a:noFill/>
+                  </a:rPr>
+                  <a:t> </a:t>
+                </a:r>
+              </a:p>
+            </p:txBody>
+          </p:sp>
+        </mc:Fallback>
+      </mc:AlternateContent>
+      <mc:AlternateContent xmlns:mc="http://schemas.openxmlformats.org/markup-compatibility/2006">
+        <mc:Choice xmlns:a14="http://schemas.microsoft.com/office/drawing/2010/main" Requires="a14">
+          <p:sp>
+            <p:nvSpPr>
+              <p:cNvPr id="37" name="TextBox 36">
+                <a:extLst>
+                  <a:ext uri="{FF2B5EF4-FFF2-40B4-BE49-F238E27FC236}">
+                    <a16:creationId xmlns:a16="http://schemas.microsoft.com/office/drawing/2014/main" id="{44698D5D-C09A-8D44-90C8-C10A1D29EC8B}"/>
+                  </a:ext>
+                </a:extLst>
+              </p:cNvPr>
+              <p:cNvSpPr txBox="1"/>
+              <p:nvPr/>
+            </p:nvSpPr>
+            <p:spPr>
+              <a:xfrm>
+                <a:off x="3837986" y="3543031"/>
+                <a:ext cx="287963" cy="215444"/>
+              </a:xfrm>
+              <a:prstGeom prst="rect">
+                <a:avLst/>
+              </a:prstGeom>
+              <a:noFill/>
+            </p:spPr>
+            <p:txBody>
+              <a:bodyPr wrap="none" lIns="0" tIns="0" rIns="0" bIns="0" rtlCol="0">
+                <a:spAutoFit/>
+              </a:bodyPr>
+              <a:lstStyle/>
+              <a:p>
+                <a14:m>
+                  <m:oMathPara xmlns:m="http://schemas.openxmlformats.org/officeDocument/2006/math">
+                    <m:oMathParaPr>
+                      <m:jc m:val="centerGroup"/>
+                    </m:oMathParaPr>
+                    <m:oMath xmlns:m="http://schemas.openxmlformats.org/officeDocument/2006/math">
+                      <m:sSub>
+                        <m:sSubPr>
+                          <m:ctrlPr>
+                            <a:rPr lang="en-US" sz="1400" b="0" i="1" smtClean="0">
+                              <a:solidFill>
+                                <a:schemeClr val="accent2"/>
+                              </a:solidFill>
+                              <a:latin typeface="Cambria Math" panose="02040503050406030204" pitchFamily="18" charset="0"/>
+                            </a:rPr>
+                          </m:ctrlPr>
+                        </m:sSubPr>
+                        <m:e>
+                          <m:r>
+                            <a:rPr lang="en-US" sz="1400" b="0" i="1" smtClean="0">
+                              <a:solidFill>
+                                <a:schemeClr val="accent2"/>
+                              </a:solidFill>
+                              <a:latin typeface="Cambria Math" panose="02040503050406030204" pitchFamily="18" charset="0"/>
+                            </a:rPr>
+                            <m:t>𝑑</m:t>
+                          </m:r>
+                        </m:e>
+                        <m:sub>
+                          <m:r>
+                            <a:rPr lang="en-US" sz="1400" b="0" i="1" smtClean="0">
+                              <a:solidFill>
+                                <a:schemeClr val="accent2"/>
+                              </a:solidFill>
+                              <a:latin typeface="Cambria Math" panose="02040503050406030204" pitchFamily="18" charset="0"/>
+                            </a:rPr>
+                            <m:t>𝐼</m:t>
+                          </m:r>
+                          <m:r>
+                            <a:rPr lang="en-US" sz="1400" b="0" i="1" smtClean="0">
+                              <a:solidFill>
+                                <a:schemeClr val="accent2"/>
+                              </a:solidFill>
+                              <a:latin typeface="Cambria Math" panose="02040503050406030204" pitchFamily="18" charset="0"/>
+                            </a:rPr>
+                            <m:t>3</m:t>
+                          </m:r>
+                        </m:sub>
+                      </m:sSub>
+                    </m:oMath>
+                  </m:oMathPara>
+                </a14:m>
+                <a:endParaRPr lang="en-US" sz="1400" dirty="0">
+                  <a:solidFill>
+                    <a:schemeClr val="accent2"/>
+                  </a:solidFill>
+                </a:endParaRPr>
+              </a:p>
+            </p:txBody>
+          </p:sp>
+        </mc:Choice>
+        <mc:Fallback>
+          <p:sp>
+            <p:nvSpPr>
+              <p:cNvPr id="37" name="TextBox 36">
+                <a:extLst>
+                  <a:ext uri="{FF2B5EF4-FFF2-40B4-BE49-F238E27FC236}">
+                    <a16:creationId xmlns:a16="http://schemas.microsoft.com/office/drawing/2014/main" id="{44698D5D-C09A-8D44-90C8-C10A1D29EC8B}"/>
+                  </a:ext>
+                </a:extLst>
+              </p:cNvPr>
+              <p:cNvSpPr txBox="1">
+                <a:spLocks noRot="1" noChangeAspect="1" noMove="1" noResize="1" noEditPoints="1" noAdjustHandles="1" noChangeArrowheads="1" noChangeShapeType="1" noTextEdit="1"/>
+              </p:cNvSpPr>
+              <p:nvPr/>
+            </p:nvSpPr>
+            <p:spPr>
+              <a:xfrm>
+                <a:off x="3837986" y="3543031"/>
+                <a:ext cx="287963" cy="215444"/>
+              </a:xfrm>
+              <a:prstGeom prst="rect">
+                <a:avLst/>
+              </a:prstGeom>
+              <a:blipFill>
+                <a:blip r:embed="rId10"/>
+                <a:stretch>
+                  <a:fillRect l="-8333" b="-16667"/>
+                </a:stretch>
+              </a:blipFill>
+            </p:spPr>
+            <p:txBody>
+              <a:bodyPr/>
+              <a:lstStyle/>
+              <a:p>
+                <a:r>
+                  <a:rPr lang="en-US">
+                    <a:noFill/>
+                  </a:rPr>
+                  <a:t> </a:t>
+                </a:r>
+              </a:p>
+            </p:txBody>
+          </p:sp>
+        </mc:Fallback>
+      </mc:AlternateContent>
+      <mc:AlternateContent xmlns:mc="http://schemas.openxmlformats.org/markup-compatibility/2006">
+        <mc:Choice xmlns:a14="http://schemas.microsoft.com/office/drawing/2010/main" Requires="a14">
+          <p:sp>
+            <p:nvSpPr>
+              <p:cNvPr id="38" name="TextBox 37">
+                <a:extLst>
+                  <a:ext uri="{FF2B5EF4-FFF2-40B4-BE49-F238E27FC236}">
+                    <a16:creationId xmlns:a16="http://schemas.microsoft.com/office/drawing/2014/main" id="{7BF32C1F-70D2-BF43-83EE-8E02C05033AD}"/>
+                  </a:ext>
+                </a:extLst>
+              </p:cNvPr>
+              <p:cNvSpPr txBox="1"/>
+              <p:nvPr/>
+            </p:nvSpPr>
+            <p:spPr>
+              <a:xfrm>
+                <a:off x="3629792" y="4126780"/>
+                <a:ext cx="287963" cy="215444"/>
+              </a:xfrm>
+              <a:prstGeom prst="rect">
+                <a:avLst/>
+              </a:prstGeom>
+              <a:noFill/>
+            </p:spPr>
+            <p:txBody>
+              <a:bodyPr wrap="none" lIns="0" tIns="0" rIns="0" bIns="0" rtlCol="0">
+                <a:spAutoFit/>
+              </a:bodyPr>
+              <a:lstStyle/>
+              <a:p>
+                <a14:m>
+                  <m:oMathPara xmlns:m="http://schemas.openxmlformats.org/officeDocument/2006/math">
+                    <m:oMathParaPr>
+                      <m:jc m:val="centerGroup"/>
+                    </m:oMathParaPr>
+                    <m:oMath xmlns:m="http://schemas.openxmlformats.org/officeDocument/2006/math">
+                      <m:sSub>
+                        <m:sSubPr>
+                          <m:ctrlPr>
+                            <a:rPr lang="en-US" sz="1400" b="0" i="1" smtClean="0">
+                              <a:solidFill>
+                                <a:schemeClr val="accent2"/>
+                              </a:solidFill>
+                              <a:latin typeface="Cambria Math" panose="02040503050406030204" pitchFamily="18" charset="0"/>
+                            </a:rPr>
+                          </m:ctrlPr>
+                        </m:sSubPr>
+                        <m:e>
+                          <m:r>
+                            <a:rPr lang="en-US" sz="1400" b="0" i="1" smtClean="0">
+                              <a:solidFill>
+                                <a:schemeClr val="accent2"/>
+                              </a:solidFill>
+                              <a:latin typeface="Cambria Math" panose="02040503050406030204" pitchFamily="18" charset="0"/>
+                            </a:rPr>
+                            <m:t>𝑑</m:t>
+                          </m:r>
+                        </m:e>
+                        <m:sub>
+                          <m:r>
+                            <a:rPr lang="en-US" sz="1400" b="0" i="1" smtClean="0">
+                              <a:solidFill>
+                                <a:schemeClr val="accent2"/>
+                              </a:solidFill>
+                              <a:latin typeface="Cambria Math" panose="02040503050406030204" pitchFamily="18" charset="0"/>
+                            </a:rPr>
+                            <m:t>𝐼</m:t>
+                          </m:r>
+                          <m:r>
+                            <a:rPr lang="en-US" sz="1400" b="0" i="1" smtClean="0">
+                              <a:solidFill>
+                                <a:schemeClr val="accent2"/>
+                              </a:solidFill>
+                              <a:latin typeface="Cambria Math" panose="02040503050406030204" pitchFamily="18" charset="0"/>
+                            </a:rPr>
+                            <m:t>4</m:t>
+                          </m:r>
+                        </m:sub>
+                      </m:sSub>
+                    </m:oMath>
+                  </m:oMathPara>
+                </a14:m>
+                <a:endParaRPr lang="en-US" sz="1400" dirty="0">
+                  <a:solidFill>
+                    <a:schemeClr val="accent2"/>
+                  </a:solidFill>
+                </a:endParaRPr>
+              </a:p>
+            </p:txBody>
+          </p:sp>
+        </mc:Choice>
+        <mc:Fallback>
+          <p:sp>
+            <p:nvSpPr>
+              <p:cNvPr id="38" name="TextBox 37">
+                <a:extLst>
+                  <a:ext uri="{FF2B5EF4-FFF2-40B4-BE49-F238E27FC236}">
+                    <a16:creationId xmlns:a16="http://schemas.microsoft.com/office/drawing/2014/main" id="{7BF32C1F-70D2-BF43-83EE-8E02C05033AD}"/>
+                  </a:ext>
+                </a:extLst>
+              </p:cNvPr>
+              <p:cNvSpPr txBox="1">
+                <a:spLocks noRot="1" noChangeAspect="1" noMove="1" noResize="1" noEditPoints="1" noAdjustHandles="1" noChangeArrowheads="1" noChangeShapeType="1" noTextEdit="1"/>
+              </p:cNvSpPr>
+              <p:nvPr/>
+            </p:nvSpPr>
+            <p:spPr>
+              <a:xfrm>
+                <a:off x="3629792" y="4126780"/>
+                <a:ext cx="287963" cy="215444"/>
+              </a:xfrm>
+              <a:prstGeom prst="rect">
+                <a:avLst/>
+              </a:prstGeom>
+              <a:blipFill>
+                <a:blip r:embed="rId11"/>
+                <a:stretch>
+                  <a:fillRect l="-13043" r="-4348" b="-16667"/>
+                </a:stretch>
+              </a:blipFill>
+            </p:spPr>
+            <p:txBody>
+              <a:bodyPr/>
+              <a:lstStyle/>
+              <a:p>
+                <a:r>
+                  <a:rPr lang="en-US">
+                    <a:noFill/>
+                  </a:rPr>
+                  <a:t> </a:t>
+                </a:r>
+              </a:p>
+            </p:txBody>
+          </p:sp>
+        </mc:Fallback>
+      </mc:AlternateContent>
+      <mc:AlternateContent xmlns:mc="http://schemas.openxmlformats.org/markup-compatibility/2006">
+        <mc:Choice xmlns:a14="http://schemas.microsoft.com/office/drawing/2010/main" Requires="a14">
+          <p:sp>
+            <p:nvSpPr>
+              <p:cNvPr id="39" name="TextBox 38">
+                <a:extLst>
+                  <a:ext uri="{FF2B5EF4-FFF2-40B4-BE49-F238E27FC236}">
+                    <a16:creationId xmlns:a16="http://schemas.microsoft.com/office/drawing/2014/main" id="{0EB92185-07AD-3241-9262-AF5D4241F01B}"/>
+                  </a:ext>
+                </a:extLst>
+              </p:cNvPr>
+              <p:cNvSpPr txBox="1"/>
+              <p:nvPr/>
+            </p:nvSpPr>
+            <p:spPr>
+              <a:xfrm>
+                <a:off x="3001927" y="4223304"/>
+                <a:ext cx="287963" cy="215444"/>
+              </a:xfrm>
+              <a:prstGeom prst="rect">
+                <a:avLst/>
+              </a:prstGeom>
+              <a:noFill/>
+            </p:spPr>
+            <p:txBody>
+              <a:bodyPr wrap="none" lIns="0" tIns="0" rIns="0" bIns="0" rtlCol="0">
+                <a:spAutoFit/>
+              </a:bodyPr>
+              <a:lstStyle/>
+              <a:p>
+                <a14:m>
+                  <m:oMathPara xmlns:m="http://schemas.openxmlformats.org/officeDocument/2006/math">
+                    <m:oMathParaPr>
+                      <m:jc m:val="centerGroup"/>
+                    </m:oMathParaPr>
+                    <m:oMath xmlns:m="http://schemas.openxmlformats.org/officeDocument/2006/math">
+                      <m:sSub>
+                        <m:sSubPr>
+                          <m:ctrlPr>
+                            <a:rPr lang="en-US" sz="1400" b="0" i="1" smtClean="0">
+                              <a:solidFill>
+                                <a:schemeClr val="accent2"/>
+                              </a:solidFill>
+                              <a:latin typeface="Cambria Math" panose="02040503050406030204" pitchFamily="18" charset="0"/>
+                            </a:rPr>
+                          </m:ctrlPr>
+                        </m:sSubPr>
+                        <m:e>
+                          <m:r>
+                            <a:rPr lang="en-US" sz="1400" b="0" i="1" smtClean="0">
+                              <a:solidFill>
+                                <a:schemeClr val="accent2"/>
+                              </a:solidFill>
+                              <a:latin typeface="Cambria Math" panose="02040503050406030204" pitchFamily="18" charset="0"/>
+                            </a:rPr>
+                            <m:t>𝑑</m:t>
+                          </m:r>
+                        </m:e>
+                        <m:sub>
+                          <m:r>
+                            <a:rPr lang="en-US" sz="1400" b="0" i="1" smtClean="0">
+                              <a:solidFill>
+                                <a:schemeClr val="accent2"/>
+                              </a:solidFill>
+                              <a:latin typeface="Cambria Math" panose="02040503050406030204" pitchFamily="18" charset="0"/>
+                            </a:rPr>
+                            <m:t>𝐼</m:t>
+                          </m:r>
+                          <m:r>
+                            <a:rPr lang="en-US" sz="1400" b="0" i="1" smtClean="0">
+                              <a:solidFill>
+                                <a:schemeClr val="accent2"/>
+                              </a:solidFill>
+                              <a:latin typeface="Cambria Math" panose="02040503050406030204" pitchFamily="18" charset="0"/>
+                            </a:rPr>
+                            <m:t>5</m:t>
+                          </m:r>
+                        </m:sub>
+                      </m:sSub>
+                    </m:oMath>
+                  </m:oMathPara>
+                </a14:m>
+                <a:endParaRPr lang="en-US" sz="1400" dirty="0">
+                  <a:solidFill>
+                    <a:schemeClr val="accent2"/>
+                  </a:solidFill>
+                </a:endParaRPr>
+              </a:p>
+            </p:txBody>
+          </p:sp>
+        </mc:Choice>
+        <mc:Fallback>
+          <p:sp>
+            <p:nvSpPr>
+              <p:cNvPr id="39" name="TextBox 38">
+                <a:extLst>
+                  <a:ext uri="{FF2B5EF4-FFF2-40B4-BE49-F238E27FC236}">
+                    <a16:creationId xmlns:a16="http://schemas.microsoft.com/office/drawing/2014/main" id="{0EB92185-07AD-3241-9262-AF5D4241F01B}"/>
+                  </a:ext>
+                </a:extLst>
+              </p:cNvPr>
+              <p:cNvSpPr txBox="1">
+                <a:spLocks noRot="1" noChangeAspect="1" noMove="1" noResize="1" noEditPoints="1" noAdjustHandles="1" noChangeArrowheads="1" noChangeShapeType="1" noTextEdit="1"/>
+              </p:cNvSpPr>
+              <p:nvPr/>
+            </p:nvSpPr>
+            <p:spPr>
+              <a:xfrm>
+                <a:off x="3001927" y="4223304"/>
+                <a:ext cx="287963" cy="215444"/>
+              </a:xfrm>
+              <a:prstGeom prst="rect">
+                <a:avLst/>
+              </a:prstGeom>
+              <a:blipFill>
+                <a:blip r:embed="rId12"/>
+                <a:stretch>
+                  <a:fillRect l="-8333" r="-4167" b="-16667"/>
+                </a:stretch>
+              </a:blipFill>
+            </p:spPr>
+            <p:txBody>
+              <a:bodyPr/>
+              <a:lstStyle/>
+              <a:p>
+                <a:r>
+                  <a:rPr lang="en-US">
+                    <a:noFill/>
+                  </a:rPr>
+                  <a:t> </a:t>
+                </a:r>
+              </a:p>
+            </p:txBody>
+          </p:sp>
+        </mc:Fallback>
+      </mc:AlternateContent>
+    </p:spTree>
+    <p:extLst>
+      <p:ext uri="{BB962C8B-B14F-4D97-AF65-F5344CB8AC3E}">
+        <p14:creationId xmlns:p14="http://schemas.microsoft.com/office/powerpoint/2010/main" val="3390339746"/>
+      </p:ext>
+    </p:extLst>
+  </p:cSld>
+  <p:clrMapOvr>
+    <a:masterClrMapping/>
+  </p:clrMapOvr>
+</p:sld>
+</file>
+
 <file path=ppt/theme/theme1.xml><?xml version="1.0" encoding="utf-8"?>
 <a:theme xmlns:a="http://schemas.openxmlformats.org/drawingml/2006/main" name="Office Theme">
   <a:themeElements>
